--- a/documents/nextjs.pptx
+++ b/documents/nextjs.pptx
@@ -6,19 +6,22 @@
   </p:sldMasterIdLst>
   <p:sldIdLst>
     <p:sldId id="256" r:id="rId2"/>
-    <p:sldId id="257" r:id="rId3"/>
-    <p:sldId id="258" r:id="rId4"/>
-    <p:sldId id="259" r:id="rId5"/>
-    <p:sldId id="260" r:id="rId6"/>
-    <p:sldId id="261" r:id="rId7"/>
-    <p:sldId id="262" r:id="rId8"/>
-    <p:sldId id="264" r:id="rId9"/>
-    <p:sldId id="270" r:id="rId10"/>
-    <p:sldId id="267" r:id="rId11"/>
-    <p:sldId id="265" r:id="rId12"/>
-    <p:sldId id="266" r:id="rId13"/>
-    <p:sldId id="269" r:id="rId14"/>
-    <p:sldId id="263" r:id="rId15"/>
+    <p:sldId id="271" r:id="rId3"/>
+    <p:sldId id="257" r:id="rId4"/>
+    <p:sldId id="258" r:id="rId5"/>
+    <p:sldId id="259" r:id="rId6"/>
+    <p:sldId id="260" r:id="rId7"/>
+    <p:sldId id="261" r:id="rId8"/>
+    <p:sldId id="262" r:id="rId9"/>
+    <p:sldId id="264" r:id="rId10"/>
+    <p:sldId id="270" r:id="rId11"/>
+    <p:sldId id="267" r:id="rId12"/>
+    <p:sldId id="265" r:id="rId13"/>
+    <p:sldId id="266" r:id="rId14"/>
+    <p:sldId id="269" r:id="rId15"/>
+    <p:sldId id="263" r:id="rId16"/>
+    <p:sldId id="272" r:id="rId17"/>
+    <p:sldId id="273" r:id="rId18"/>
   </p:sldIdLst>
   <p:sldSz cx="12192000" cy="6858000"/>
   <p:notesSz cx="6858000" cy="9144000"/>
@@ -117,6 +120,11 @@
       </a:defRPr>
     </a:lvl9pPr>
   </p:defaultTextStyle>
+  <p:extLst>
+    <p:ext uri="{EFAFB233-063F-42B5-8137-9DF3F51BA10A}">
+      <p15:sldGuideLst xmlns:p15="http://schemas.microsoft.com/office/powerpoint/2012/main"/>
+    </p:ext>
+  </p:extLst>
 </p:presentation>
 </file>
 
@@ -269,7 +277,7 @@
           <a:p>
             <a:fld id="{A94AA2BD-73E7-2F46-BBC2-0CC974B38769}" type="datetimeFigureOut">
               <a:rPr lang="en-KR" smtClean="0"/>
-              <a:t>10/24/24</a:t>
+              <a:t>10/31/24</a:t>
             </a:fld>
             <a:endParaRPr lang="en-KR"/>
           </a:p>
@@ -469,7 +477,7 @@
           <a:p>
             <a:fld id="{A94AA2BD-73E7-2F46-BBC2-0CC974B38769}" type="datetimeFigureOut">
               <a:rPr lang="en-KR" smtClean="0"/>
-              <a:t>10/24/24</a:t>
+              <a:t>10/31/24</a:t>
             </a:fld>
             <a:endParaRPr lang="en-KR"/>
           </a:p>
@@ -679,7 +687,7 @@
           <a:p>
             <a:fld id="{A94AA2BD-73E7-2F46-BBC2-0CC974B38769}" type="datetimeFigureOut">
               <a:rPr lang="en-KR" smtClean="0"/>
-              <a:t>10/24/24</a:t>
+              <a:t>10/31/24</a:t>
             </a:fld>
             <a:endParaRPr lang="en-KR"/>
           </a:p>
@@ -879,7 +887,7 @@
           <a:p>
             <a:fld id="{A94AA2BD-73E7-2F46-BBC2-0CC974B38769}" type="datetimeFigureOut">
               <a:rPr lang="en-KR" smtClean="0"/>
-              <a:t>10/24/24</a:t>
+              <a:t>10/31/24</a:t>
             </a:fld>
             <a:endParaRPr lang="en-KR"/>
           </a:p>
@@ -1155,7 +1163,7 @@
           <a:p>
             <a:fld id="{A94AA2BD-73E7-2F46-BBC2-0CC974B38769}" type="datetimeFigureOut">
               <a:rPr lang="en-KR" smtClean="0"/>
-              <a:t>10/24/24</a:t>
+              <a:t>10/31/24</a:t>
             </a:fld>
             <a:endParaRPr lang="en-KR"/>
           </a:p>
@@ -1423,7 +1431,7 @@
           <a:p>
             <a:fld id="{A94AA2BD-73E7-2F46-BBC2-0CC974B38769}" type="datetimeFigureOut">
               <a:rPr lang="en-KR" smtClean="0"/>
-              <a:t>10/24/24</a:t>
+              <a:t>10/31/24</a:t>
             </a:fld>
             <a:endParaRPr lang="en-KR"/>
           </a:p>
@@ -1838,7 +1846,7 @@
           <a:p>
             <a:fld id="{A94AA2BD-73E7-2F46-BBC2-0CC974B38769}" type="datetimeFigureOut">
               <a:rPr lang="en-KR" smtClean="0"/>
-              <a:t>10/24/24</a:t>
+              <a:t>10/31/24</a:t>
             </a:fld>
             <a:endParaRPr lang="en-KR"/>
           </a:p>
@@ -1980,7 +1988,7 @@
           <a:p>
             <a:fld id="{A94AA2BD-73E7-2F46-BBC2-0CC974B38769}" type="datetimeFigureOut">
               <a:rPr lang="en-KR" smtClean="0"/>
-              <a:t>10/24/24</a:t>
+              <a:t>10/31/24</a:t>
             </a:fld>
             <a:endParaRPr lang="en-KR"/>
           </a:p>
@@ -2093,7 +2101,7 @@
           <a:p>
             <a:fld id="{A94AA2BD-73E7-2F46-BBC2-0CC974B38769}" type="datetimeFigureOut">
               <a:rPr lang="en-KR" smtClean="0"/>
-              <a:t>10/24/24</a:t>
+              <a:t>10/31/24</a:t>
             </a:fld>
             <a:endParaRPr lang="en-KR"/>
           </a:p>
@@ -2406,7 +2414,7 @@
           <a:p>
             <a:fld id="{A94AA2BD-73E7-2F46-BBC2-0CC974B38769}" type="datetimeFigureOut">
               <a:rPr lang="en-KR" smtClean="0"/>
-              <a:t>10/24/24</a:t>
+              <a:t>10/31/24</a:t>
             </a:fld>
             <a:endParaRPr lang="en-KR"/>
           </a:p>
@@ -2695,7 +2703,7 @@
           <a:p>
             <a:fld id="{A94AA2BD-73E7-2F46-BBC2-0CC974B38769}" type="datetimeFigureOut">
               <a:rPr lang="en-KR" smtClean="0"/>
-              <a:t>10/24/24</a:t>
+              <a:t>10/31/24</a:t>
             </a:fld>
             <a:endParaRPr lang="en-KR"/>
           </a:p>
@@ -2938,7 +2946,7 @@
           <a:p>
             <a:fld id="{A94AA2BD-73E7-2F46-BBC2-0CC974B38769}" type="datetimeFigureOut">
               <a:rPr lang="en-KR" smtClean="0"/>
-              <a:t>10/24/24</a:t>
+              <a:t>10/31/24</a:t>
             </a:fld>
             <a:endParaRPr lang="en-KR"/>
           </a:p>
@@ -3471,8 +3479,8 @@
           <a:lstStyle/>
           <a:p>
             <a:r>
-              <a:rPr lang="en-US" dirty="0" err="1"/>
-              <a:t>TurboPack</a:t>
+              <a:rPr lang="en-US" dirty="0"/>
+              <a:t>Page Router VS App Router</a:t>
             </a:r>
             <a:endParaRPr lang="en-KR" dirty="0"/>
           </a:p>
@@ -3506,43 +3514,57 @@
           <a:p>
             <a:r>
               <a:rPr lang="en-US" dirty="0"/>
-              <a:t>Webpack : JS</a:t>
-            </a:r>
-            <a:r>
-              <a:rPr lang="ko-KR" altLang="en-US" dirty="0"/>
-              <a:t> 기반의 모듈 번들러</a:t>
+              <a:t>App Router : Page Router</a:t>
+            </a:r>
+            <a:r>
+              <a:rPr lang="ko-KR" altLang="en-US" dirty="0"/>
+              <a:t>와 동일하게 파일 기반 </a:t>
+            </a:r>
+            <a:r>
+              <a:rPr lang="ko-KR" altLang="en-US" dirty="0" err="1"/>
+              <a:t>라이팅이지만</a:t>
+            </a:r>
+            <a:r>
+              <a:rPr lang="ko-KR" altLang="en-US" dirty="0"/>
+              <a:t> </a:t>
+            </a:r>
+            <a:r>
+              <a:rPr lang="en-US" altLang="ko-KR" dirty="0"/>
+              <a:t>Page Router</a:t>
+            </a:r>
+            <a:r>
+              <a:rPr lang="ko-KR" altLang="en-US" dirty="0"/>
+              <a:t> 방식의 단점 보완</a:t>
             </a:r>
             <a:r>
               <a:rPr lang="en-US" altLang="ko-KR" dirty="0"/>
               <a:t>.</a:t>
             </a:r>
-            <a:r>
-              <a:rPr lang="ko-KR" altLang="en-US" dirty="0"/>
-              <a:t> 웹 어플리케이션 개발에 필요한 다양한 요소</a:t>
-            </a:r>
-            <a:r>
-              <a:rPr lang="en-US" altLang="ko-KR" dirty="0"/>
-              <a:t>(HTML, CSS, </a:t>
+          </a:p>
+          <a:p>
+            <a:r>
+              <a:rPr lang="en-US" dirty="0"/>
+              <a:t>App/ </a:t>
+            </a:r>
+            <a:r>
+              <a:rPr lang="ko-KR" altLang="en-US" dirty="0"/>
+              <a:t>디렉토리 내에 어떤 폴더 구조라도 </a:t>
             </a:r>
             <a:r>
               <a:rPr lang="en-US" altLang="ko-KR" dirty="0" err="1"/>
-              <a:t>Javascript</a:t>
-            </a:r>
-            <a:r>
-              <a:rPr lang="en-US" altLang="ko-KR" dirty="0"/>
-              <a:t>, Images, Font </a:t>
-            </a:r>
-            <a:r>
-              <a:rPr lang="ko-KR" altLang="en-US" dirty="0"/>
-              <a:t>등</a:t>
-            </a:r>
-            <a:r>
-              <a:rPr lang="en-US" altLang="ko-KR" dirty="0"/>
-              <a:t>)</a:t>
-            </a:r>
-            <a:r>
-              <a:rPr lang="ko-KR" altLang="en-US" dirty="0"/>
-              <a:t>들을 하나의 파일로 병합 및 압축 해 주는 역할</a:t>
+              <a:t>Page.ts</a:t>
+            </a:r>
+            <a:r>
+              <a:rPr lang="ko-KR" altLang="en-US" dirty="0"/>
+              <a:t>라는 예약된 파일만 </a:t>
+            </a:r>
+            <a:r>
+              <a:rPr lang="en-US" altLang="ko-KR" dirty="0"/>
+              <a:t>route</a:t>
+            </a:r>
+            <a:r>
+              <a:rPr lang="ko-KR" altLang="en-US" dirty="0"/>
+              <a:t>가 생성</a:t>
             </a:r>
             <a:r>
               <a:rPr lang="en-US" altLang="ko-KR" dirty="0"/>
@@ -3551,38 +3573,16 @@
           </a:p>
           <a:p>
             <a:r>
-              <a:rPr lang="en-US" dirty="0"/>
-              <a:t>Rust</a:t>
-            </a:r>
-            <a:r>
-              <a:rPr lang="ko-KR" altLang="en-US" dirty="0"/>
-              <a:t> 기반으로 작성하여 </a:t>
-            </a:r>
-            <a:r>
-              <a:rPr lang="en-US" dirty="0"/>
-              <a:t>Webpack</a:t>
-            </a:r>
-            <a:r>
-              <a:rPr lang="ko-KR" altLang="en-US" dirty="0"/>
-              <a:t> 대비 최대 </a:t>
-            </a:r>
-            <a:r>
-              <a:rPr lang="en-US" altLang="ko-KR" dirty="0"/>
-              <a:t>700</a:t>
-            </a:r>
-            <a:r>
-              <a:rPr lang="ko-KR" altLang="en-US" dirty="0"/>
-              <a:t>배 빠른 처리 속도</a:t>
-            </a:r>
-            <a:r>
-              <a:rPr lang="en-US" altLang="ko-KR" dirty="0"/>
-              <a:t>.</a:t>
-            </a:r>
-          </a:p>
-          <a:p>
-            <a:r>
-              <a:rPr lang="ko-KR" altLang="en-US" dirty="0"/>
-              <a:t>정식 릴리즈는 늦어지는 상황</a:t>
+              <a:rPr lang="en-US" dirty="0" err="1"/>
+              <a:t>Layout.ts</a:t>
+            </a:r>
+            <a:r>
+              <a:rPr lang="ko-KR" altLang="en-US" dirty="0" err="1"/>
+              <a:t>를</a:t>
+            </a:r>
+            <a:r>
+              <a:rPr lang="ko-KR" altLang="en-US" dirty="0"/>
+              <a:t> 이용하여 중첩된 레이아웃 관리 가능</a:t>
             </a:r>
             <a:r>
               <a:rPr lang="en-US" altLang="ko-KR" dirty="0"/>
@@ -3595,7 +3595,7 @@
     </p:spTree>
     <p:extLst>
       <p:ext uri="{BB962C8B-B14F-4D97-AF65-F5344CB8AC3E}">
-        <p14:creationId xmlns:p14="http://schemas.microsoft.com/office/powerpoint/2010/main" val="698434783"/>
+        <p14:creationId xmlns:p14="http://schemas.microsoft.com/office/powerpoint/2010/main" val="1643908147"/>
       </p:ext>
     </p:extLst>
   </p:cSld>
@@ -3651,8 +3651,8 @@
           <a:lstStyle/>
           <a:p>
             <a:r>
-              <a:rPr lang="en-US" dirty="0"/>
-              <a:t>customize the import alias</a:t>
+              <a:rPr lang="en-US" dirty="0" err="1"/>
+              <a:t>TurboPack</a:t>
             </a:r>
             <a:endParaRPr lang="en-KR" dirty="0"/>
           </a:p>
@@ -3685,71 +3685,128 @@
           <a:lstStyle/>
           <a:p>
             <a:r>
-              <a:rPr lang="ko-KR" altLang="en-US" dirty="0"/>
-              <a:t>특정 경로에 대한 </a:t>
-            </a:r>
-            <a:r>
-              <a:rPr lang="en-US" altLang="ko-KR" dirty="0"/>
-              <a:t>alias</a:t>
-            </a:r>
-            <a:r>
-              <a:rPr lang="ko-KR" altLang="en-US" dirty="0" err="1"/>
-              <a:t>를</a:t>
-            </a:r>
-            <a:r>
-              <a:rPr lang="ko-KR" altLang="en-US" dirty="0"/>
-              <a:t> 설정해주면 쉽게 </a:t>
-            </a:r>
-            <a:r>
-              <a:rPr lang="en-US" altLang="ko-KR" dirty="0"/>
-              <a:t>import </a:t>
-            </a:r>
-            <a:r>
-              <a:rPr lang="ko-KR" altLang="en-US" dirty="0"/>
-              <a:t>가능</a:t>
+              <a:rPr lang="en-US" dirty="0"/>
+              <a:t>Webpack : JS</a:t>
+            </a:r>
+            <a:r>
+              <a:rPr lang="ko-KR" altLang="en-US" dirty="0"/>
+              <a:t> 기반의 모듈 번들러</a:t>
             </a:r>
             <a:r>
               <a:rPr lang="en-US" altLang="ko-KR" dirty="0"/>
               <a:t>.</a:t>
             </a:r>
+            <a:r>
+              <a:rPr lang="ko-KR" altLang="en-US" dirty="0"/>
+              <a:t> 웹 어플리케이션 개발에 필요한 다양한 요소</a:t>
+            </a:r>
+            <a:r>
+              <a:rPr lang="en-US" altLang="ko-KR" dirty="0"/>
+              <a:t>(HTML, CSS, </a:t>
+            </a:r>
+            <a:r>
+              <a:rPr lang="en-US" altLang="ko-KR" dirty="0" err="1"/>
+              <a:t>Javascript</a:t>
+            </a:r>
+            <a:r>
+              <a:rPr lang="en-US" altLang="ko-KR" dirty="0"/>
+              <a:t>, Images, Font </a:t>
+            </a:r>
+            <a:r>
+              <a:rPr lang="ko-KR" altLang="en-US" dirty="0"/>
+              <a:t>등</a:t>
+            </a:r>
+            <a:r>
+              <a:rPr lang="en-US" altLang="ko-KR" dirty="0"/>
+              <a:t>)</a:t>
+            </a:r>
+            <a:r>
+              <a:rPr lang="ko-KR" altLang="en-US" dirty="0"/>
+              <a:t>들을 하나의 파일로 병합 및 압축 해 주는 역할</a:t>
+            </a:r>
+            <a:r>
+              <a:rPr lang="en-US" altLang="ko-KR" dirty="0"/>
+              <a:t>.</a:t>
+            </a:r>
+          </a:p>
+          <a:p>
+            <a:r>
+              <a:rPr lang="en-US" dirty="0"/>
+              <a:t>Rust</a:t>
+            </a:r>
+            <a:r>
+              <a:rPr lang="ko-KR" altLang="en-US" dirty="0"/>
+              <a:t> 기반으로 작성하여 </a:t>
+            </a:r>
+            <a:r>
+              <a:rPr lang="en-US" dirty="0"/>
+              <a:t>Webpack</a:t>
+            </a:r>
+            <a:r>
+              <a:rPr lang="ko-KR" altLang="en-US" dirty="0"/>
+              <a:t> 대비 최대 </a:t>
+            </a:r>
+            <a:r>
+              <a:rPr lang="en-US" altLang="ko-KR" dirty="0"/>
+              <a:t>700</a:t>
+            </a:r>
+            <a:r>
+              <a:rPr lang="ko-KR" altLang="en-US" dirty="0"/>
+              <a:t>배 빠른 처리 속도</a:t>
+            </a:r>
+            <a:r>
+              <a:rPr lang="en-US" altLang="ko-KR" dirty="0"/>
+              <a:t>.</a:t>
+            </a:r>
+          </a:p>
+          <a:p>
+            <a:r>
+              <a:rPr lang="ko-KR" altLang="en-US" dirty="0"/>
+              <a:t>정식 릴리즈는 늦어지는 상황</a:t>
+            </a:r>
+            <a:r>
+              <a:rPr lang="en-US" altLang="ko-KR" dirty="0"/>
+              <a:t>.</a:t>
+            </a:r>
+          </a:p>
+          <a:p>
+            <a:endParaRPr lang="en-US" dirty="0"/>
+          </a:p>
+          <a:p>
+            <a:r>
+              <a:rPr lang="en-US" dirty="0"/>
+              <a:t>https://</a:t>
+            </a:r>
+            <a:r>
+              <a:rPr lang="en-US" dirty="0" err="1"/>
+              <a:t>namu.wiki</a:t>
+            </a:r>
+            <a:r>
+              <a:rPr lang="en-US" dirty="0"/>
+              <a:t>/w/webpack</a:t>
+            </a:r>
+          </a:p>
+          <a:p>
+            <a:r>
+              <a:rPr lang="en-US" dirty="0"/>
+              <a:t>https://</a:t>
+            </a:r>
+            <a:r>
+              <a:rPr lang="en-US" dirty="0" err="1"/>
+              <a:t>velog.io</a:t>
+            </a:r>
+            <a:r>
+              <a:rPr lang="en-US" dirty="0"/>
+              <a:t>/@stardust6653/%EB%B2%88%EB%93%A4%EB%9F%AC-Webpack-%EA%B3%BC-Parcel-%EA%B7%B8%EB%A6%AC%EA%B3%A0..next</a:t>
+            </a:r>
             <a:endParaRPr lang="en-KR" dirty="0"/>
           </a:p>
         </p:txBody>
       </p:sp>
-      <p:pic>
-        <p:nvPicPr>
-          <p:cNvPr id="5" name="Picture 4">
-            <a:extLst>
-              <a:ext uri="{FF2B5EF4-FFF2-40B4-BE49-F238E27FC236}">
-                <a16:creationId xmlns:a16="http://schemas.microsoft.com/office/drawing/2014/main" id="{4BAF18E2-0617-BF6F-0D76-ADA95BE18C16}"/>
-              </a:ext>
-            </a:extLst>
-          </p:cNvPr>
-          <p:cNvPicPr>
-            <a:picLocks noChangeAspect="1"/>
-          </p:cNvPicPr>
-          <p:nvPr/>
-        </p:nvPicPr>
-        <p:blipFill>
-          <a:blip r:embed="rId2"/>
-          <a:stretch>
-            <a:fillRect/>
-          </a:stretch>
-        </p:blipFill>
-        <p:spPr>
-          <a:xfrm>
-            <a:off x="935166" y="1973263"/>
-            <a:ext cx="6540500" cy="4203700"/>
-          </a:xfrm>
-          <a:prstGeom prst="rect">
-            <a:avLst/>
-          </a:prstGeom>
-        </p:spPr>
-      </p:pic>
     </p:spTree>
     <p:extLst>
       <p:ext uri="{BB962C8B-B14F-4D97-AF65-F5344CB8AC3E}">
-        <p14:creationId xmlns:p14="http://schemas.microsoft.com/office/powerpoint/2010/main" val="3381974115"/>
+        <p14:creationId xmlns:p14="http://schemas.microsoft.com/office/powerpoint/2010/main" val="698434783"/>
       </p:ext>
     </p:extLst>
   </p:cSld>
@@ -3806,7 +3863,7 @@
           <a:p>
             <a:r>
               <a:rPr lang="en-US" dirty="0"/>
-              <a:t>Single Page Application VS Server-Side Rendering</a:t>
+              <a:t>customize the import alias</a:t>
             </a:r>
             <a:endParaRPr lang="en-KR" dirty="0"/>
           </a:p>
@@ -3839,51 +3896,114 @@
           <a:lstStyle/>
           <a:p>
             <a:r>
+              <a:rPr lang="ko-KR" altLang="en-US" dirty="0"/>
+              <a:t>특정 경로에 대한 </a:t>
+            </a:r>
+            <a:r>
+              <a:rPr lang="en-US" altLang="ko-KR" dirty="0"/>
+              <a:t>alias</a:t>
+            </a:r>
+            <a:r>
+              <a:rPr lang="ko-KR" altLang="en-US" dirty="0" err="1"/>
+              <a:t>를</a:t>
+            </a:r>
+            <a:r>
+              <a:rPr lang="ko-KR" altLang="en-US" dirty="0"/>
+              <a:t> 설정해주면 쉽게 </a:t>
+            </a:r>
+            <a:r>
+              <a:rPr lang="en-US" altLang="ko-KR" dirty="0"/>
+              <a:t>import </a:t>
+            </a:r>
+            <a:r>
+              <a:rPr lang="ko-KR" altLang="en-US" dirty="0"/>
+              <a:t>가능</a:t>
+            </a:r>
+            <a:r>
+              <a:rPr lang="en-US" altLang="ko-KR" dirty="0"/>
+              <a:t>.</a:t>
+            </a:r>
+          </a:p>
+          <a:p>
+            <a:endParaRPr lang="en-US" altLang="ko-KR" dirty="0"/>
+          </a:p>
+          <a:p>
+            <a:endParaRPr lang="en-US" altLang="ko-KR" dirty="0"/>
+          </a:p>
+          <a:p>
+            <a:endParaRPr lang="en-US" altLang="ko-KR" dirty="0"/>
+          </a:p>
+          <a:p>
+            <a:endParaRPr lang="en-US" altLang="ko-KR" dirty="0"/>
+          </a:p>
+          <a:p>
+            <a:endParaRPr lang="en-US" altLang="ko-KR" dirty="0"/>
+          </a:p>
+          <a:p>
+            <a:endParaRPr lang="en-US" altLang="ko-KR" dirty="0"/>
+          </a:p>
+          <a:p>
+            <a:endParaRPr lang="en-US" altLang="ko-KR" dirty="0"/>
+          </a:p>
+          <a:p>
+            <a:r>
               <a:rPr lang="en-US" dirty="0"/>
-              <a:t>Single Page Application : </a:t>
-            </a:r>
-            <a:r>
-              <a:rPr lang="ko-KR" altLang="en-US" dirty="0"/>
-              <a:t>렌더링과 라우팅에 필요한 대부분의 기능을 브라우저의 </a:t>
-            </a:r>
-            <a:r>
-              <a:rPr lang="en-US" altLang="ko-KR" dirty="0"/>
-              <a:t>JS</a:t>
-            </a:r>
-            <a:r>
-              <a:rPr lang="ko-KR" altLang="en-US" dirty="0"/>
-              <a:t>에 의존</a:t>
-            </a:r>
-            <a:r>
-              <a:rPr lang="en-US" altLang="ko-KR" dirty="0"/>
-              <a:t>.</a:t>
-            </a:r>
-          </a:p>
-          <a:p>
-            <a:r>
-              <a:rPr lang="ko-KR" altLang="en-US" dirty="0"/>
-              <a:t>최초에 모든 리소스를 다운로드하면 이후 페이지 전환 시에 리소스 다운로드하는 시간이 필요 없고 페이지 전환에 필요한 일부 영역만 다시 그리게 되므로 매끄러운</a:t>
-            </a:r>
-            <a:r>
-              <a:rPr lang="en-US" altLang="ko-KR" dirty="0"/>
-              <a:t> UI </a:t>
-            </a:r>
-            <a:r>
-              <a:rPr lang="ko-KR" altLang="en-US" dirty="0"/>
-              <a:t>표현 가능</a:t>
-            </a:r>
-            <a:r>
-              <a:rPr lang="en-US" altLang="ko-KR" dirty="0"/>
-              <a:t>.</a:t>
+              <a:t>https://</a:t>
+            </a:r>
+            <a:r>
+              <a:rPr lang="en-US" dirty="0" err="1"/>
+              <a:t>velog.io</a:t>
+            </a:r>
+            <a:r>
+              <a:rPr lang="en-US" dirty="0"/>
+              <a:t>/@developer-h/</a:t>
+            </a:r>
+            <a:r>
+              <a:rPr lang="en-US" dirty="0" err="1"/>
+              <a:t>Next.js</a:t>
+            </a:r>
+            <a:r>
+              <a:rPr lang="en-US" dirty="0"/>
+              <a:t>-%EC%97%90%EC%84%9C-alias-%EC%84%A4%EC%A0%95%ED%95%98%EA%B8%B0</a:t>
             </a:r>
             <a:endParaRPr lang="en-KR" dirty="0"/>
           </a:p>
         </p:txBody>
       </p:sp>
+      <p:pic>
+        <p:nvPicPr>
+          <p:cNvPr id="5" name="Picture 4">
+            <a:extLst>
+              <a:ext uri="{FF2B5EF4-FFF2-40B4-BE49-F238E27FC236}">
+                <a16:creationId xmlns:a16="http://schemas.microsoft.com/office/drawing/2014/main" id="{4BAF18E2-0617-BF6F-0D76-ADA95BE18C16}"/>
+              </a:ext>
+            </a:extLst>
+          </p:cNvPr>
+          <p:cNvPicPr>
+            <a:picLocks noChangeAspect="1"/>
+          </p:cNvPicPr>
+          <p:nvPr/>
+        </p:nvPicPr>
+        <p:blipFill>
+          <a:blip r:embed="rId2"/>
+          <a:stretch>
+            <a:fillRect/>
+          </a:stretch>
+        </p:blipFill>
+        <p:spPr>
+          <a:xfrm>
+            <a:off x="1130375" y="1613137"/>
+            <a:ext cx="5650569" cy="3631725"/>
+          </a:xfrm>
+          <a:prstGeom prst="rect">
+            <a:avLst/>
+          </a:prstGeom>
+        </p:spPr>
+      </p:pic>
     </p:spTree>
     <p:extLst>
       <p:ext uri="{BB962C8B-B14F-4D97-AF65-F5344CB8AC3E}">
-        <p14:creationId xmlns:p14="http://schemas.microsoft.com/office/powerpoint/2010/main" val="1122998557"/>
+        <p14:creationId xmlns:p14="http://schemas.microsoft.com/office/powerpoint/2010/main" val="3381974115"/>
       </p:ext>
     </p:extLst>
   </p:cSld>
@@ -3974,11 +4094,19 @@
           <a:p>
             <a:r>
               <a:rPr lang="en-US" dirty="0"/>
-              <a:t>Server-Side Rendering : </a:t>
-            </a:r>
-            <a:r>
-              <a:rPr lang="ko-KR" altLang="en-US" dirty="0"/>
-              <a:t>사용자에게 보여줄 첫 페이지만 서버에서 렌더링 해서 빠르게 제공</a:t>
+              <a:t>Single Page Application : </a:t>
+            </a:r>
+            <a:r>
+              <a:rPr lang="ko-KR" altLang="en-US" dirty="0"/>
+              <a:t>렌더링과 라우팅에 필요한 대부분의 기능을 브라우저의 </a:t>
+            </a:r>
+            <a:r>
+              <a:rPr lang="en-US" altLang="ko-KR" dirty="0"/>
+              <a:t>JS</a:t>
+            </a:r>
+            <a:r>
+              <a:rPr lang="ko-KR" altLang="en-US" dirty="0"/>
+              <a:t>에 의존</a:t>
             </a:r>
             <a:r>
               <a:rPr lang="en-US" altLang="ko-KR" dirty="0"/>
@@ -3986,96 +4114,17 @@
             </a:r>
           </a:p>
           <a:p>
-            <a:pPr lvl="1"/>
-            <a:r>
-              <a:rPr lang="ko-KR" altLang="en-US" dirty="0"/>
-              <a:t>장점</a:t>
-            </a:r>
-            <a:endParaRPr lang="en-US" altLang="ko-KR" dirty="0"/>
-          </a:p>
-          <a:p>
-            <a:pPr lvl="2"/>
-            <a:r>
-              <a:rPr lang="ko-KR" altLang="en-US" dirty="0"/>
-              <a:t>최초 페이지 진입이 빠름</a:t>
-            </a:r>
-            <a:r>
-              <a:rPr lang="en-US" altLang="ko-KR" dirty="0"/>
-              <a:t>.</a:t>
-            </a:r>
-          </a:p>
-          <a:p>
-            <a:pPr lvl="2"/>
-            <a:r>
-              <a:rPr lang="ko-KR" altLang="en-US" dirty="0"/>
-              <a:t>검색 엔진에 메타데이터 제공이 쉬움</a:t>
-            </a:r>
-            <a:r>
-              <a:rPr lang="en-US" altLang="ko-KR" dirty="0"/>
-              <a:t>.</a:t>
-            </a:r>
-          </a:p>
-          <a:p>
-            <a:pPr lvl="2"/>
-            <a:r>
-              <a:rPr lang="ko-KR" altLang="en-US" dirty="0"/>
-              <a:t>누적 레이아웃 이동이 적음</a:t>
-            </a:r>
-            <a:r>
-              <a:rPr lang="en-US" altLang="ko-KR" dirty="0"/>
-              <a:t>.</a:t>
-            </a:r>
-          </a:p>
-          <a:p>
-            <a:pPr lvl="2"/>
-            <a:r>
-              <a:rPr lang="ko-KR" altLang="en-US" dirty="0"/>
-              <a:t>디바이스 성능 이슈가 적음</a:t>
-            </a:r>
-            <a:r>
-              <a:rPr lang="en-US" altLang="ko-KR" dirty="0"/>
-              <a:t>.</a:t>
-            </a:r>
-          </a:p>
-          <a:p>
-            <a:pPr lvl="1"/>
-            <a:endParaRPr lang="en-US" dirty="0"/>
-          </a:p>
-          <a:p>
-            <a:pPr lvl="1"/>
-            <a:r>
-              <a:rPr lang="ko-KR" altLang="en-US" dirty="0"/>
-              <a:t>단점</a:t>
-            </a:r>
-            <a:endParaRPr lang="en-US" altLang="ko-KR" dirty="0"/>
-          </a:p>
-          <a:p>
-            <a:pPr lvl="2"/>
-            <a:r>
-              <a:rPr lang="ko-KR" altLang="en-US" dirty="0"/>
-              <a:t>개발 시에 서버 성능 고려</a:t>
-            </a:r>
-            <a:r>
-              <a:rPr lang="en-US" altLang="ko-KR" dirty="0"/>
-              <a:t>.</a:t>
-            </a:r>
-          </a:p>
-          <a:p>
-            <a:pPr lvl="2"/>
-            <a:r>
-              <a:rPr lang="ko-KR" altLang="en-US" dirty="0"/>
-              <a:t>적절한 서버의 구축 필요</a:t>
-            </a:r>
-            <a:r>
-              <a:rPr lang="en-US" altLang="ko-KR" dirty="0"/>
-              <a:t>.</a:t>
-            </a:r>
-          </a:p>
-          <a:p>
-            <a:pPr lvl="2"/>
-            <a:r>
-              <a:rPr lang="ko-KR" altLang="en-US" dirty="0"/>
-              <a:t>서비스 지연 가능성</a:t>
+            <a:r>
+              <a:rPr lang="ko-KR" altLang="en-US" dirty="0"/>
+              <a:t>최초에 모든 리소스를 다운로드하면 이후 페이지 전환 시에 리소스 다운로드하는 시간이 필요 없고 페이지 전환에 필요한 일부 영역만 다시 그리게 되므로 매끄러운</a:t>
+            </a:r>
+            <a:r>
+              <a:rPr lang="en-US" altLang="ko-KR" dirty="0"/>
+              <a:t> UI </a:t>
+            </a:r>
+            <a:r>
+              <a:rPr lang="ko-KR" altLang="en-US" dirty="0"/>
+              <a:t>표현 가능</a:t>
             </a:r>
             <a:r>
               <a:rPr lang="en-US" altLang="ko-KR" dirty="0"/>
@@ -4088,7 +4137,7 @@
     </p:spTree>
     <p:extLst>
       <p:ext uri="{BB962C8B-B14F-4D97-AF65-F5344CB8AC3E}">
-        <p14:creationId xmlns:p14="http://schemas.microsoft.com/office/powerpoint/2010/main" val="2437662815"/>
+        <p14:creationId xmlns:p14="http://schemas.microsoft.com/office/powerpoint/2010/main" val="1122998557"/>
       </p:ext>
     </p:extLst>
   </p:cSld>
@@ -4144,8 +4193,8 @@
           <a:lstStyle/>
           <a:p>
             <a:r>
-              <a:rPr lang="en-US" dirty="0" err="1"/>
-              <a:t>jsx</a:t>
+              <a:rPr lang="en-US" dirty="0"/>
+              <a:t>Single Page Application VS Server-Side Rendering</a:t>
             </a:r>
             <a:endParaRPr lang="en-KR" dirty="0"/>
           </a:p>
@@ -4179,6 +4228,211 @@
           <a:p>
             <a:r>
               <a:rPr lang="en-US" dirty="0"/>
+              <a:t>Server-Side Rendering : </a:t>
+            </a:r>
+            <a:r>
+              <a:rPr lang="ko-KR" altLang="en-US" dirty="0"/>
+              <a:t>사용자에게 보여줄 첫 페이지만 서버에서 렌더링 해서 빠르게 제공</a:t>
+            </a:r>
+            <a:r>
+              <a:rPr lang="en-US" altLang="ko-KR" dirty="0"/>
+              <a:t>.</a:t>
+            </a:r>
+          </a:p>
+          <a:p>
+            <a:pPr lvl="1"/>
+            <a:r>
+              <a:rPr lang="ko-KR" altLang="en-US" dirty="0"/>
+              <a:t>장점</a:t>
+            </a:r>
+            <a:endParaRPr lang="en-US" altLang="ko-KR" dirty="0"/>
+          </a:p>
+          <a:p>
+            <a:pPr lvl="2"/>
+            <a:r>
+              <a:rPr lang="ko-KR" altLang="en-US" dirty="0"/>
+              <a:t>최초 페이지 진입이 빠름</a:t>
+            </a:r>
+            <a:r>
+              <a:rPr lang="en-US" altLang="ko-KR" dirty="0"/>
+              <a:t>.</a:t>
+            </a:r>
+          </a:p>
+          <a:p>
+            <a:pPr lvl="2"/>
+            <a:r>
+              <a:rPr lang="ko-KR" altLang="en-US" dirty="0"/>
+              <a:t>검색 엔진에 메타데이터 제공이 쉬움</a:t>
+            </a:r>
+            <a:r>
+              <a:rPr lang="en-US" altLang="ko-KR" dirty="0"/>
+              <a:t>.</a:t>
+            </a:r>
+          </a:p>
+          <a:p>
+            <a:pPr lvl="2"/>
+            <a:r>
+              <a:rPr lang="ko-KR" altLang="en-US" dirty="0"/>
+              <a:t>누적 레이아웃 이동이 적음</a:t>
+            </a:r>
+            <a:r>
+              <a:rPr lang="en-US" altLang="ko-KR" dirty="0"/>
+              <a:t>.</a:t>
+            </a:r>
+          </a:p>
+          <a:p>
+            <a:pPr lvl="2"/>
+            <a:r>
+              <a:rPr lang="ko-KR" altLang="en-US" dirty="0"/>
+              <a:t>디바이스 성능 이슈가 적음</a:t>
+            </a:r>
+            <a:r>
+              <a:rPr lang="en-US" altLang="ko-KR" dirty="0"/>
+              <a:t>.</a:t>
+            </a:r>
+          </a:p>
+          <a:p>
+            <a:pPr lvl="1"/>
+            <a:endParaRPr lang="en-US" dirty="0"/>
+          </a:p>
+          <a:p>
+            <a:pPr lvl="1"/>
+            <a:r>
+              <a:rPr lang="ko-KR" altLang="en-US" dirty="0"/>
+              <a:t>단점</a:t>
+            </a:r>
+            <a:endParaRPr lang="en-US" altLang="ko-KR" dirty="0"/>
+          </a:p>
+          <a:p>
+            <a:pPr lvl="2"/>
+            <a:r>
+              <a:rPr lang="ko-KR" altLang="en-US" dirty="0"/>
+              <a:t>개발 시에 서버 성능 고려</a:t>
+            </a:r>
+            <a:r>
+              <a:rPr lang="en-US" altLang="ko-KR" dirty="0"/>
+              <a:t>.</a:t>
+            </a:r>
+          </a:p>
+          <a:p>
+            <a:pPr lvl="2"/>
+            <a:r>
+              <a:rPr lang="ko-KR" altLang="en-US" dirty="0"/>
+              <a:t>적절한 서버의 구축 필요</a:t>
+            </a:r>
+            <a:r>
+              <a:rPr lang="en-US" altLang="ko-KR" dirty="0"/>
+              <a:t>.</a:t>
+            </a:r>
+          </a:p>
+          <a:p>
+            <a:pPr lvl="2"/>
+            <a:r>
+              <a:rPr lang="ko-KR" altLang="en-US" dirty="0"/>
+              <a:t>서비스 지연 가능성</a:t>
+            </a:r>
+            <a:r>
+              <a:rPr lang="en-US" altLang="ko-KR" dirty="0"/>
+              <a:t>.</a:t>
+            </a:r>
+            <a:endParaRPr lang="en-KR" dirty="0"/>
+          </a:p>
+        </p:txBody>
+      </p:sp>
+    </p:spTree>
+    <p:extLst>
+      <p:ext uri="{BB962C8B-B14F-4D97-AF65-F5344CB8AC3E}">
+        <p14:creationId xmlns:p14="http://schemas.microsoft.com/office/powerpoint/2010/main" val="2437662815"/>
+      </p:ext>
+    </p:extLst>
+  </p:cSld>
+  <p:clrMapOvr>
+    <a:masterClrMapping/>
+  </p:clrMapOvr>
+</p:sld>
+</file>
+
+<file path=ppt/slides/slide15.xml><?xml version="1.0" encoding="utf-8"?>
+<p:sld xmlns:a="http://schemas.openxmlformats.org/drawingml/2006/main" xmlns:r="http://schemas.openxmlformats.org/officeDocument/2006/relationships" xmlns:p="http://schemas.openxmlformats.org/presentationml/2006/main">
+  <p:cSld>
+    <p:spTree>
+      <p:nvGrpSpPr>
+        <p:cNvPr id="1" name=""/>
+        <p:cNvGrpSpPr/>
+        <p:nvPr/>
+      </p:nvGrpSpPr>
+      <p:grpSpPr>
+        <a:xfrm>
+          <a:off x="0" y="0"/>
+          <a:ext cx="0" cy="0"/>
+          <a:chOff x="0" y="0"/>
+          <a:chExt cx="0" cy="0"/>
+        </a:xfrm>
+      </p:grpSpPr>
+      <p:sp>
+        <p:nvSpPr>
+          <p:cNvPr id="2" name="Title 1">
+            <a:extLst>
+              <a:ext uri="{FF2B5EF4-FFF2-40B4-BE49-F238E27FC236}">
+                <a16:creationId xmlns:a16="http://schemas.microsoft.com/office/drawing/2014/main" id="{C395D9A6-82A9-0D1F-97C4-C7DF355330A1}"/>
+              </a:ext>
+            </a:extLst>
+          </p:cNvPr>
+          <p:cNvSpPr>
+            <a:spLocks noGrp="1"/>
+          </p:cNvSpPr>
+          <p:nvPr>
+            <p:ph type="title"/>
+          </p:nvPr>
+        </p:nvSpPr>
+        <p:spPr>
+          <a:xfrm>
+            <a:off x="838200" y="365126"/>
+            <a:ext cx="10515600" cy="590372"/>
+          </a:xfrm>
+        </p:spPr>
+        <p:txBody>
+          <a:bodyPr>
+            <a:normAutofit fontScale="90000"/>
+          </a:bodyPr>
+          <a:lstStyle/>
+          <a:p>
+            <a:r>
+              <a:rPr lang="en-US" dirty="0" err="1"/>
+              <a:t>jsx</a:t>
+            </a:r>
+            <a:endParaRPr lang="en-KR" dirty="0"/>
+          </a:p>
+        </p:txBody>
+      </p:sp>
+      <p:sp>
+        <p:nvSpPr>
+          <p:cNvPr id="3" name="Content Placeholder 2">
+            <a:extLst>
+              <a:ext uri="{FF2B5EF4-FFF2-40B4-BE49-F238E27FC236}">
+                <a16:creationId xmlns:a16="http://schemas.microsoft.com/office/drawing/2014/main" id="{291FA8CC-CA3E-1176-4546-E1E15396A9BA}"/>
+              </a:ext>
+            </a:extLst>
+          </p:cNvPr>
+          <p:cNvSpPr>
+            <a:spLocks noGrp="1"/>
+          </p:cNvSpPr>
+          <p:nvPr>
+            <p:ph idx="1"/>
+          </p:nvPr>
+        </p:nvSpPr>
+        <p:spPr>
+          <a:xfrm>
+            <a:off x="838200" y="1150706"/>
+            <a:ext cx="10515600" cy="5026257"/>
+          </a:xfrm>
+        </p:spPr>
+        <p:txBody>
+          <a:bodyPr/>
+          <a:lstStyle/>
+          <a:p>
+            <a:r>
+              <a:rPr lang="en-US" dirty="0"/>
               <a:t>XML</a:t>
             </a:r>
             <a:r>
@@ -4251,6 +4505,455 @@
     <p:extLst>
       <p:ext uri="{BB962C8B-B14F-4D97-AF65-F5344CB8AC3E}">
         <p14:creationId xmlns:p14="http://schemas.microsoft.com/office/powerpoint/2010/main" val="3334213045"/>
+      </p:ext>
+    </p:extLst>
+  </p:cSld>
+  <p:clrMapOvr>
+    <a:masterClrMapping/>
+  </p:clrMapOvr>
+</p:sld>
+</file>
+
+<file path=ppt/slides/slide16.xml><?xml version="1.0" encoding="utf-8"?>
+<p:sld xmlns:a="http://schemas.openxmlformats.org/drawingml/2006/main" xmlns:r="http://schemas.openxmlformats.org/officeDocument/2006/relationships" xmlns:p="http://schemas.openxmlformats.org/presentationml/2006/main">
+  <p:cSld>
+    <p:spTree>
+      <p:nvGrpSpPr>
+        <p:cNvPr id="1" name=""/>
+        <p:cNvGrpSpPr/>
+        <p:nvPr/>
+      </p:nvGrpSpPr>
+      <p:grpSpPr>
+        <a:xfrm>
+          <a:off x="0" y="0"/>
+          <a:ext cx="0" cy="0"/>
+          <a:chOff x="0" y="0"/>
+          <a:chExt cx="0" cy="0"/>
+        </a:xfrm>
+      </p:grpSpPr>
+      <p:sp>
+        <p:nvSpPr>
+          <p:cNvPr id="2" name="Title 1">
+            <a:extLst>
+              <a:ext uri="{FF2B5EF4-FFF2-40B4-BE49-F238E27FC236}">
+                <a16:creationId xmlns:a16="http://schemas.microsoft.com/office/drawing/2014/main" id="{C395D9A6-82A9-0D1F-97C4-C7DF355330A1}"/>
+              </a:ext>
+            </a:extLst>
+          </p:cNvPr>
+          <p:cNvSpPr>
+            <a:spLocks noGrp="1"/>
+          </p:cNvSpPr>
+          <p:nvPr>
+            <p:ph type="title"/>
+          </p:nvPr>
+        </p:nvSpPr>
+        <p:spPr>
+          <a:xfrm>
+            <a:off x="838200" y="365126"/>
+            <a:ext cx="10515600" cy="590372"/>
+          </a:xfrm>
+        </p:spPr>
+        <p:txBody>
+          <a:bodyPr>
+            <a:normAutofit fontScale="90000"/>
+          </a:bodyPr>
+          <a:lstStyle/>
+          <a:p>
+            <a:r>
+              <a:rPr lang="en-US" dirty="0"/>
+              <a:t>Arbitrary values</a:t>
+            </a:r>
+            <a:endParaRPr lang="en-KR" dirty="0"/>
+          </a:p>
+        </p:txBody>
+      </p:sp>
+      <p:sp>
+        <p:nvSpPr>
+          <p:cNvPr id="3" name="Content Placeholder 2">
+            <a:extLst>
+              <a:ext uri="{FF2B5EF4-FFF2-40B4-BE49-F238E27FC236}">
+                <a16:creationId xmlns:a16="http://schemas.microsoft.com/office/drawing/2014/main" id="{291FA8CC-CA3E-1176-4546-E1E15396A9BA}"/>
+              </a:ext>
+            </a:extLst>
+          </p:cNvPr>
+          <p:cNvSpPr>
+            <a:spLocks noGrp="1"/>
+          </p:cNvSpPr>
+          <p:nvPr>
+            <p:ph idx="1"/>
+          </p:nvPr>
+        </p:nvSpPr>
+        <p:spPr>
+          <a:xfrm>
+            <a:off x="838200" y="1150706"/>
+            <a:ext cx="10515600" cy="5026257"/>
+          </a:xfrm>
+        </p:spPr>
+        <p:txBody>
+          <a:bodyPr/>
+          <a:lstStyle/>
+          <a:p>
+            <a:r>
+              <a:rPr lang="ko-KR" altLang="en-US" dirty="0"/>
+              <a:t>기본으로 제공되는 값과는 다른 값을 사용</a:t>
+            </a:r>
+            <a:r>
+              <a:rPr lang="en-US" altLang="ko-KR" dirty="0"/>
+              <a:t>.</a:t>
+            </a:r>
+          </a:p>
+          <a:p>
+            <a:r>
+              <a:rPr lang="ko-KR" altLang="en-US" dirty="0"/>
+              <a:t>예</a:t>
+            </a:r>
+            <a:r>
+              <a:rPr lang="en-US" altLang="ko-KR" dirty="0"/>
+              <a:t>)</a:t>
+            </a:r>
+            <a:r>
+              <a:rPr lang="ko-KR" altLang="en-US" dirty="0"/>
+              <a:t> </a:t>
+            </a:r>
+            <a:r>
+              <a:rPr lang="en-US" altLang="ko-KR" dirty="0"/>
+              <a:t>text-</a:t>
+            </a:r>
+            <a:r>
+              <a:rPr lang="en-US" altLang="ko-KR" dirty="0" err="1"/>
+              <a:t>sm</a:t>
+            </a:r>
+            <a:r>
+              <a:rPr lang="en-US" altLang="ko-KR" dirty="0"/>
+              <a:t>(14px), text-base(16px)</a:t>
+            </a:r>
+            <a:r>
+              <a:rPr lang="ko-KR" altLang="en-US" dirty="0"/>
+              <a:t>만 제공될 때</a:t>
+            </a:r>
+            <a:r>
+              <a:rPr lang="en-US" altLang="ko-KR" dirty="0"/>
+              <a:t>,</a:t>
+            </a:r>
+            <a:r>
+              <a:rPr lang="ko-KR" altLang="en-US" dirty="0"/>
+              <a:t> </a:t>
+            </a:r>
+            <a:r>
+              <a:rPr lang="en-US" dirty="0"/>
+              <a:t>t</a:t>
+            </a:r>
+            <a:r>
+              <a:rPr lang="en-KR" dirty="0"/>
+              <a:t>ext-[15px]</a:t>
+            </a:r>
+            <a:r>
+              <a:rPr lang="ko-KR" altLang="en-US" dirty="0"/>
+              <a:t>로 사용</a:t>
+            </a:r>
+            <a:r>
+              <a:rPr lang="en-US" altLang="ko-KR" dirty="0"/>
+              <a:t>.</a:t>
+            </a:r>
+          </a:p>
+          <a:p>
+            <a:r>
+              <a:rPr lang="en-US" dirty="0" err="1"/>
+              <a:t>bg</a:t>
+            </a:r>
+            <a:r>
+              <a:rPr lang="en-US" dirty="0"/>
+              <a:t>-[#000000]</a:t>
+            </a:r>
+          </a:p>
+        </p:txBody>
+      </p:sp>
+    </p:spTree>
+    <p:extLst>
+      <p:ext uri="{BB962C8B-B14F-4D97-AF65-F5344CB8AC3E}">
+        <p14:creationId xmlns:p14="http://schemas.microsoft.com/office/powerpoint/2010/main" val="3496465417"/>
+      </p:ext>
+    </p:extLst>
+  </p:cSld>
+  <p:clrMapOvr>
+    <a:masterClrMapping/>
+  </p:clrMapOvr>
+</p:sld>
+</file>
+
+<file path=ppt/slides/slide17.xml><?xml version="1.0" encoding="utf-8"?>
+<p:sld xmlns:a="http://schemas.openxmlformats.org/drawingml/2006/main" xmlns:r="http://schemas.openxmlformats.org/officeDocument/2006/relationships" xmlns:p="http://schemas.openxmlformats.org/presentationml/2006/main">
+  <p:cSld>
+    <p:spTree>
+      <p:nvGrpSpPr>
+        <p:cNvPr id="1" name=""/>
+        <p:cNvGrpSpPr/>
+        <p:nvPr/>
+      </p:nvGrpSpPr>
+      <p:grpSpPr>
+        <a:xfrm>
+          <a:off x="0" y="0"/>
+          <a:ext cx="0" cy="0"/>
+          <a:chOff x="0" y="0"/>
+          <a:chExt cx="0" cy="0"/>
+        </a:xfrm>
+      </p:grpSpPr>
+      <p:sp>
+        <p:nvSpPr>
+          <p:cNvPr id="2" name="Title 1">
+            <a:extLst>
+              <a:ext uri="{FF2B5EF4-FFF2-40B4-BE49-F238E27FC236}">
+                <a16:creationId xmlns:a16="http://schemas.microsoft.com/office/drawing/2014/main" id="{C395D9A6-82A9-0D1F-97C4-C7DF355330A1}"/>
+              </a:ext>
+            </a:extLst>
+          </p:cNvPr>
+          <p:cNvSpPr>
+            <a:spLocks noGrp="1"/>
+          </p:cNvSpPr>
+          <p:nvPr>
+            <p:ph type="title"/>
+          </p:nvPr>
+        </p:nvSpPr>
+        <p:spPr>
+          <a:xfrm>
+            <a:off x="838200" y="365126"/>
+            <a:ext cx="10515600" cy="590372"/>
+          </a:xfrm>
+        </p:spPr>
+        <p:txBody>
+          <a:bodyPr>
+            <a:normAutofit fontScale="90000"/>
+          </a:bodyPr>
+          <a:lstStyle/>
+          <a:p>
+            <a:r>
+              <a:rPr lang="en-US" dirty="0"/>
+              <a:t>Arbitrary values</a:t>
+            </a:r>
+            <a:endParaRPr lang="en-KR" dirty="0"/>
+          </a:p>
+        </p:txBody>
+      </p:sp>
+      <p:sp>
+        <p:nvSpPr>
+          <p:cNvPr id="3" name="Content Placeholder 2">
+            <a:extLst>
+              <a:ext uri="{FF2B5EF4-FFF2-40B4-BE49-F238E27FC236}">
+                <a16:creationId xmlns:a16="http://schemas.microsoft.com/office/drawing/2014/main" id="{291FA8CC-CA3E-1176-4546-E1E15396A9BA}"/>
+              </a:ext>
+            </a:extLst>
+          </p:cNvPr>
+          <p:cNvSpPr>
+            <a:spLocks noGrp="1"/>
+          </p:cNvSpPr>
+          <p:nvPr>
+            <p:ph idx="1"/>
+          </p:nvPr>
+        </p:nvSpPr>
+        <p:spPr>
+          <a:xfrm>
+            <a:off x="838200" y="1150706"/>
+            <a:ext cx="10515600" cy="5026257"/>
+          </a:xfrm>
+        </p:spPr>
+        <p:txBody>
+          <a:bodyPr/>
+          <a:lstStyle/>
+          <a:p>
+            <a:r>
+              <a:rPr lang="en-US" dirty="0"/>
+              <a:t>grid-row-[20px-1fr-20px]</a:t>
+            </a:r>
+          </a:p>
+          <a:p>
+            <a:pPr lvl="1"/>
+            <a:r>
+              <a:rPr lang="ko-KR" altLang="en-US" dirty="0"/>
+              <a:t>첫번째 행의 높이를 </a:t>
+            </a:r>
+            <a:r>
+              <a:rPr lang="en-US" altLang="ko-KR" dirty="0"/>
+              <a:t>20px, </a:t>
+            </a:r>
+            <a:r>
+              <a:rPr lang="ko-KR" altLang="en-US" dirty="0"/>
+              <a:t>두번째 행의 높이를 </a:t>
+            </a:r>
+            <a:r>
+              <a:rPr lang="en-US" altLang="ko-KR" dirty="0"/>
+              <a:t>1fr, </a:t>
+            </a:r>
+            <a:r>
+              <a:rPr lang="ko-KR" altLang="en-US" dirty="0"/>
+              <a:t>세번째 행의 높이를 </a:t>
+            </a:r>
+            <a:r>
+              <a:rPr lang="en-US" altLang="ko-KR" dirty="0"/>
+              <a:t>20px</a:t>
+            </a:r>
+            <a:r>
+              <a:rPr lang="ko-KR" altLang="en-US" dirty="0"/>
+              <a:t>로 정의</a:t>
+            </a:r>
+            <a:r>
+              <a:rPr lang="en-US" altLang="ko-KR" dirty="0"/>
+              <a:t>. (</a:t>
+            </a:r>
+            <a:r>
+              <a:rPr lang="en-US" altLang="ko-KR" dirty="0" err="1"/>
+              <a:t>fr</a:t>
+            </a:r>
+            <a:r>
+              <a:rPr lang="en-US" altLang="ko-KR" dirty="0"/>
+              <a:t> = fraction)</a:t>
+            </a:r>
+            <a:endParaRPr lang="en-US" dirty="0"/>
+          </a:p>
+          <a:p>
+            <a:r>
+              <a:rPr lang="en-US" dirty="0"/>
+              <a:t>font-[</a:t>
+            </a:r>
+            <a:r>
+              <a:rPr lang="en-US" dirty="0" err="1"/>
+              <a:t>family-name:var</a:t>
+            </a:r>
+            <a:r>
+              <a:rPr lang="en-US" dirty="0"/>
+              <a:t>(--font-</a:t>
+            </a:r>
+            <a:r>
+              <a:rPr lang="en-US" dirty="0" err="1"/>
+              <a:t>geist</a:t>
+            </a:r>
+            <a:r>
+              <a:rPr lang="en-US" dirty="0"/>
+              <a:t>-sans)]</a:t>
+            </a:r>
+          </a:p>
+          <a:p>
+            <a:pPr lvl="1"/>
+            <a:r>
+              <a:rPr lang="en-US" dirty="0"/>
+              <a:t>Tailwind CSS</a:t>
+            </a:r>
+            <a:r>
+              <a:rPr lang="ko-KR" altLang="en-US" dirty="0"/>
+              <a:t>에서 특정 폰트를 사용하기 위한 방법</a:t>
+            </a:r>
+            <a:r>
+              <a:rPr lang="en-US" altLang="ko-KR" dirty="0"/>
+              <a:t>.</a:t>
+            </a:r>
+          </a:p>
+          <a:p>
+            <a:pPr lvl="1"/>
+            <a:r>
+              <a:rPr lang="en-US" dirty="0"/>
+              <a:t>font-[] : </a:t>
+            </a:r>
+            <a:r>
+              <a:rPr lang="en-US" dirty="0" err="1"/>
+              <a:t>Tatilwind</a:t>
+            </a:r>
+            <a:r>
+              <a:rPr lang="en-US" dirty="0"/>
+              <a:t> CSS</a:t>
+            </a:r>
+            <a:r>
+              <a:rPr lang="ko-KR" altLang="en-US" dirty="0"/>
+              <a:t>에서 사용자 정의 </a:t>
+            </a:r>
+            <a:r>
+              <a:rPr lang="en-US" altLang="ko-KR" dirty="0"/>
+              <a:t>CSS </a:t>
+            </a:r>
+            <a:r>
+              <a:rPr lang="ko-KR" altLang="en-US" dirty="0"/>
+              <a:t>속성 적용 방법</a:t>
+            </a:r>
+            <a:r>
+              <a:rPr lang="en-US" altLang="ko-KR" dirty="0"/>
+              <a:t>.</a:t>
+            </a:r>
+          </a:p>
+          <a:p>
+            <a:pPr lvl="1"/>
+            <a:r>
+              <a:rPr lang="en-US" dirty="0"/>
+              <a:t>family-name : </a:t>
+            </a:r>
+            <a:r>
+              <a:rPr lang="ko-KR" altLang="en-US" dirty="0"/>
+              <a:t>특정 </a:t>
+            </a:r>
+            <a:r>
+              <a:rPr lang="en-US" altLang="ko-KR" dirty="0"/>
+              <a:t>font family</a:t>
+            </a:r>
+            <a:r>
+              <a:rPr lang="ko-KR" altLang="en-US" dirty="0" err="1"/>
+              <a:t>를</a:t>
+            </a:r>
+            <a:r>
+              <a:rPr lang="ko-KR" altLang="en-US" dirty="0"/>
+              <a:t> 정의하는데 사용</a:t>
+            </a:r>
+            <a:r>
+              <a:rPr lang="en-US" altLang="ko-KR" dirty="0"/>
+              <a:t>.</a:t>
+            </a:r>
+          </a:p>
+          <a:p>
+            <a:pPr lvl="1"/>
+            <a:r>
+              <a:rPr lang="en-US" dirty="0"/>
+              <a:t>var(--font-</a:t>
+            </a:r>
+            <a:r>
+              <a:rPr lang="en-US" dirty="0" err="1"/>
+              <a:t>geist</a:t>
+            </a:r>
+            <a:r>
+              <a:rPr lang="en-US" dirty="0"/>
+              <a:t>-sans) : CSS</a:t>
+            </a:r>
+            <a:r>
+              <a:rPr lang="ko-KR" altLang="en-US" dirty="0"/>
+              <a:t> 변수 </a:t>
+            </a:r>
+            <a:r>
+              <a:rPr lang="en-US" altLang="ko-KR" dirty="0"/>
+              <a:t>–font-</a:t>
+            </a:r>
+            <a:r>
+              <a:rPr lang="en-US" altLang="ko-KR" dirty="0" err="1"/>
+              <a:t>geist</a:t>
+            </a:r>
+            <a:r>
+              <a:rPr lang="en-US" altLang="ko-KR" dirty="0"/>
+              <a:t>-sans</a:t>
+            </a:r>
+            <a:r>
+              <a:rPr lang="ko-KR" altLang="en-US" dirty="0" err="1"/>
+              <a:t>를</a:t>
+            </a:r>
+            <a:r>
+              <a:rPr lang="ko-KR" altLang="en-US" dirty="0"/>
+              <a:t> 참조하여 폰트를 적용</a:t>
+            </a:r>
+            <a:r>
+              <a:rPr lang="en-US" altLang="ko-KR" dirty="0"/>
+              <a:t>.</a:t>
+            </a:r>
+            <a:endParaRPr lang="en-US" dirty="0"/>
+          </a:p>
+        </p:txBody>
+      </p:sp>
+    </p:spTree>
+    <p:extLst>
+      <p:ext uri="{BB962C8B-B14F-4D97-AF65-F5344CB8AC3E}">
+        <p14:creationId xmlns:p14="http://schemas.microsoft.com/office/powerpoint/2010/main" val="3323614351"/>
       </p:ext>
     </p:extLst>
   </p:cSld>
@@ -4306,16 +5009,16 @@
           <a:lstStyle/>
           <a:p>
             <a:r>
+              <a:rPr lang="en-US" dirty="0" err="1"/>
+              <a:t>Next.js</a:t>
+            </a:r>
+            <a:r>
               <a:rPr lang="en-US" dirty="0"/>
-              <a:t>P</a:t>
-            </a:r>
-            <a:r>
-              <a:rPr lang="en-KR" dirty="0"/>
-              <a:t>roject </a:t>
-            </a:r>
-            <a:r>
-              <a:rPr lang="ko-KR" altLang="en-US" dirty="0"/>
-              <a:t>명령어</a:t>
+              <a:t> </a:t>
+            </a:r>
+            <a:r>
+              <a:rPr lang="ko-KR" altLang="en-US" dirty="0"/>
+              <a:t>설치</a:t>
             </a:r>
             <a:endParaRPr lang="en-KR" dirty="0"/>
           </a:p>
@@ -4349,26 +5052,239 @@
           <a:p>
             <a:r>
               <a:rPr lang="en-US" dirty="0"/>
-              <a:t>Project  </a:t>
-            </a:r>
-            <a:r>
-              <a:rPr lang="ko-KR" altLang="en-US" dirty="0"/>
-              <a:t>생성</a:t>
-            </a:r>
-            <a:endParaRPr lang="en-US" dirty="0"/>
+              <a:t>Node.js </a:t>
+            </a:r>
+            <a:r>
+              <a:rPr lang="ko-KR" altLang="en-US" dirty="0"/>
+              <a:t>설치</a:t>
+            </a:r>
+            <a:r>
+              <a:rPr lang="en-US" altLang="ko-KR" dirty="0"/>
+              <a:t>(18</a:t>
+            </a:r>
+            <a:r>
+              <a:rPr lang="ko-KR" altLang="en-US" dirty="0"/>
+              <a:t> </a:t>
+            </a:r>
+            <a:r>
+              <a:rPr lang="en-US" altLang="ko-KR" dirty="0"/>
+              <a:t>LTS </a:t>
+            </a:r>
+            <a:r>
+              <a:rPr lang="ko-KR" altLang="en-US" dirty="0"/>
+              <a:t>버전 이상 권장</a:t>
+            </a:r>
+            <a:r>
+              <a:rPr lang="en-US" altLang="ko-KR" dirty="0"/>
+              <a:t>)</a:t>
+            </a:r>
           </a:p>
           <a:p>
             <a:pPr marL="0" indent="0">
               <a:buNone/>
             </a:pPr>
             <a:r>
-              <a:rPr lang="en-US" dirty="0"/>
-              <a:t>n</a:t>
-            </a:r>
-            <a:r>
-              <a:rPr lang="en-KR" dirty="0"/>
-              <a:t>px create-next-app –use-npm my-app</a:t>
-            </a:r>
+              <a:rPr lang="en-US" dirty="0">
+                <a:hlinkClick r:id="rId2"/>
+              </a:rPr>
+              <a:t>https://nodejs.org/en/download/prebuilt-installer</a:t>
+            </a:r>
+            <a:endParaRPr lang="en-US" dirty="0"/>
+          </a:p>
+          <a:p>
+            <a:pPr marL="0" indent="0">
+              <a:buNone/>
+            </a:pPr>
+            <a:endParaRPr lang="en-US" altLang="ko-KR" dirty="0"/>
+          </a:p>
+          <a:p>
+            <a:r>
+              <a:rPr lang="ko-KR" altLang="en-US" dirty="0"/>
+              <a:t>운영체제에 맞는 </a:t>
+            </a:r>
+            <a:r>
+              <a:rPr lang="en-US" altLang="ko-KR" dirty="0"/>
+              <a:t>installer</a:t>
+            </a:r>
+            <a:r>
+              <a:rPr lang="ko-KR" altLang="en-US" dirty="0" err="1"/>
+              <a:t>를</a:t>
+            </a:r>
+            <a:r>
+              <a:rPr lang="ko-KR" altLang="en-US" dirty="0"/>
+              <a:t> 사용하거나 </a:t>
+            </a:r>
+            <a:r>
+              <a:rPr lang="en-US" altLang="ko-KR" dirty="0" err="1"/>
+              <a:t>nvm</a:t>
+            </a:r>
+            <a:r>
+              <a:rPr lang="en-US" altLang="ko-KR" dirty="0"/>
+              <a:t>  </a:t>
+            </a:r>
+            <a:r>
+              <a:rPr lang="ko-KR" altLang="en-US" dirty="0"/>
+              <a:t>등의 </a:t>
+            </a:r>
+            <a:r>
+              <a:rPr lang="en-US" altLang="ko-KR" dirty="0"/>
+              <a:t>Package Manager</a:t>
+            </a:r>
+            <a:r>
+              <a:rPr lang="ko-KR" altLang="en-US" dirty="0" err="1"/>
+              <a:t>를</a:t>
+            </a:r>
+            <a:r>
+              <a:rPr lang="ko-KR" altLang="en-US" dirty="0"/>
+              <a:t> 이용한 설치도 가능</a:t>
+            </a:r>
+            <a:r>
+              <a:rPr lang="en-US" altLang="ko-KR" dirty="0"/>
+              <a:t>.</a:t>
+            </a:r>
+          </a:p>
+          <a:p>
+            <a:endParaRPr lang="en-US" dirty="0"/>
+          </a:p>
+          <a:p>
+            <a:r>
+              <a:rPr lang="en-US" b="0" i="0" dirty="0" err="1">
+                <a:effectLst/>
+                <a:latin typeface="ui-monospace"/>
+              </a:rPr>
+              <a:t>npx</a:t>
+            </a:r>
+            <a:r>
+              <a:rPr lang="en-US" b="0" i="0" dirty="0">
+                <a:effectLst/>
+                <a:latin typeface="ui-monospace"/>
+              </a:rPr>
+              <a:t> </a:t>
+            </a:r>
+            <a:r>
+              <a:rPr lang="en-US" b="0" i="0" dirty="0" err="1">
+                <a:effectLst/>
+                <a:latin typeface="ui-monospace"/>
+              </a:rPr>
+              <a:t>create-next-app@latest</a:t>
+            </a:r>
+            <a:r>
+              <a:rPr lang="ko-KR" altLang="en-US" b="0" i="0" dirty="0">
+                <a:effectLst/>
+                <a:latin typeface="ui-monospace"/>
+              </a:rPr>
+              <a:t> 을 사용하여 </a:t>
+            </a:r>
+            <a:r>
+              <a:rPr lang="ko-KR" altLang="en-US" dirty="0">
+                <a:latin typeface="ui-monospace"/>
+              </a:rPr>
+              <a:t>자동 설치하며 앱을 생성하거나</a:t>
+            </a:r>
+            <a:endParaRPr lang="en-US" altLang="ko-KR" dirty="0">
+              <a:latin typeface="ui-monospace"/>
+            </a:endParaRPr>
+          </a:p>
+          <a:p>
+            <a:r>
+              <a:rPr lang="en-US" b="0" i="0" dirty="0" err="1">
+                <a:effectLst/>
+                <a:latin typeface="ui-monospace"/>
+              </a:rPr>
+              <a:t>npm</a:t>
+            </a:r>
+            <a:r>
+              <a:rPr lang="en-US" b="0" i="0" dirty="0">
+                <a:effectLst/>
+                <a:latin typeface="ui-monospace"/>
+              </a:rPr>
+              <a:t> install </a:t>
+            </a:r>
+            <a:r>
+              <a:rPr lang="en-US" b="0" i="0" dirty="0" err="1">
+                <a:effectLst/>
+                <a:latin typeface="ui-monospace"/>
+              </a:rPr>
+              <a:t>next@latest</a:t>
+            </a:r>
+            <a:r>
+              <a:rPr lang="en-US" b="0" i="0" dirty="0">
+                <a:effectLst/>
+                <a:latin typeface="ui-monospace"/>
+              </a:rPr>
+              <a:t> </a:t>
+            </a:r>
+            <a:r>
+              <a:rPr lang="en-US" b="0" i="0" dirty="0" err="1">
+                <a:effectLst/>
+                <a:latin typeface="ui-monospace"/>
+              </a:rPr>
+              <a:t>react@latest</a:t>
+            </a:r>
+            <a:r>
+              <a:rPr lang="en-US" b="0" i="0" dirty="0">
+                <a:effectLst/>
+                <a:latin typeface="ui-monospace"/>
+              </a:rPr>
+              <a:t> </a:t>
+            </a:r>
+            <a:r>
+              <a:rPr lang="en-US" b="0" i="0" dirty="0" err="1">
+                <a:effectLst/>
+                <a:latin typeface="ui-monospace"/>
+              </a:rPr>
+              <a:t>react-dom@latest</a:t>
+            </a:r>
+            <a:r>
+              <a:rPr lang="ko-KR" altLang="en-US" b="0" i="0" dirty="0">
+                <a:effectLst/>
+                <a:latin typeface="ui-monospace"/>
+              </a:rPr>
+              <a:t>을 사용하여 </a:t>
+            </a:r>
+            <a:r>
+              <a:rPr lang="en-US" altLang="ko-KR" b="0" i="0" dirty="0">
+                <a:effectLst/>
+                <a:latin typeface="ui-monospace"/>
+              </a:rPr>
+              <a:t>next</a:t>
+            </a:r>
+            <a:r>
+              <a:rPr lang="ko-KR" altLang="en-US" b="0" i="0" dirty="0">
+                <a:effectLst/>
+                <a:latin typeface="ui-monospace"/>
+              </a:rPr>
+              <a:t>와 </a:t>
+            </a:r>
+            <a:r>
+              <a:rPr lang="en-US" altLang="ko-KR" b="0" i="0" dirty="0">
+                <a:effectLst/>
+                <a:latin typeface="ui-monospace"/>
+              </a:rPr>
+              <a:t>react</a:t>
+            </a:r>
+            <a:r>
+              <a:rPr lang="ko-KR" altLang="en-US" b="0" i="0" dirty="0" err="1">
+                <a:effectLst/>
+                <a:latin typeface="ui-monospace"/>
+              </a:rPr>
+              <a:t>를</a:t>
+            </a:r>
+            <a:r>
+              <a:rPr lang="ko-KR" altLang="en-US" b="0" i="0" dirty="0">
+                <a:effectLst/>
+                <a:latin typeface="ui-monospace"/>
+              </a:rPr>
+              <a:t> 수동 설치할 수 있음</a:t>
+            </a:r>
+            <a:r>
+              <a:rPr lang="en-US" altLang="ko-KR" b="0" i="0" dirty="0">
+                <a:effectLst/>
+                <a:latin typeface="ui-monospace"/>
+              </a:rPr>
+              <a:t>.</a:t>
+            </a:r>
+            <a:endParaRPr lang="en-KR" dirty="0"/>
           </a:p>
           <a:p>
             <a:pPr marL="0" indent="0">
@@ -4376,54 +5292,12 @@
             </a:pPr>
             <a:endParaRPr lang="en-KR" dirty="0"/>
           </a:p>
-          <a:p>
-            <a:r>
-              <a:rPr lang="en-US" dirty="0"/>
-              <a:t>Project  </a:t>
-            </a:r>
-            <a:r>
-              <a:rPr lang="ko-KR" altLang="en-US" dirty="0"/>
-              <a:t>실행</a:t>
-            </a:r>
-            <a:endParaRPr lang="en-US" dirty="0"/>
-          </a:p>
-          <a:p>
-            <a:pPr marL="0" indent="0">
-              <a:buNone/>
-            </a:pPr>
-            <a:r>
-              <a:rPr lang="en-US" dirty="0" err="1"/>
-              <a:t>npm</a:t>
-            </a:r>
-            <a:r>
-              <a:rPr lang="en-US" dirty="0"/>
-              <a:t> run dev </a:t>
-            </a:r>
-            <a:endParaRPr lang="en-KR" dirty="0"/>
-          </a:p>
-          <a:p>
-            <a:endParaRPr lang="en-US" dirty="0"/>
-          </a:p>
-          <a:p>
-            <a:pPr marL="0" indent="0">
-              <a:buNone/>
-            </a:pPr>
-            <a:r>
-              <a:rPr lang="en-US" dirty="0" err="1"/>
-              <a:t>npm</a:t>
-            </a:r>
-            <a:r>
-              <a:rPr lang="en-US" dirty="0"/>
-              <a:t> run build</a:t>
-            </a:r>
-            <a:endParaRPr lang="en-KR" dirty="0"/>
-          </a:p>
         </p:txBody>
       </p:sp>
     </p:spTree>
     <p:extLst>
       <p:ext uri="{BB962C8B-B14F-4D97-AF65-F5344CB8AC3E}">
-        <p14:creationId xmlns:p14="http://schemas.microsoft.com/office/powerpoint/2010/main" val="144623031"/>
+        <p14:creationId xmlns:p14="http://schemas.microsoft.com/office/powerpoint/2010/main" val="2637453297"/>
       </p:ext>
     </p:extLst>
   </p:cSld>
@@ -4488,7 +5362,7 @@
             </a:r>
             <a:r>
               <a:rPr lang="ko-KR" altLang="en-US" dirty="0"/>
-              <a:t>생성 옵션</a:t>
+              <a:t>명령어</a:t>
             </a:r>
             <a:endParaRPr lang="en-KR" dirty="0"/>
           </a:p>
@@ -4522,68 +5396,72 @@
           <a:p>
             <a:r>
               <a:rPr lang="en-US" dirty="0"/>
-              <a:t>Would you like to use TypeScript? Yes</a:t>
-            </a:r>
+              <a:t>Project  </a:t>
+            </a:r>
+            <a:r>
+              <a:rPr lang="ko-KR" altLang="en-US" dirty="0"/>
+              <a:t>생성</a:t>
+            </a:r>
+            <a:endParaRPr lang="en-US" dirty="0"/>
+          </a:p>
+          <a:p>
+            <a:pPr marL="0" indent="0">
+              <a:buNone/>
+            </a:pPr>
+            <a:r>
+              <a:rPr lang="en-US" dirty="0"/>
+              <a:t>n</a:t>
+            </a:r>
+            <a:r>
+              <a:rPr lang="en-KR" dirty="0"/>
+              <a:t>px create-next-app –use-npm my-app</a:t>
+            </a:r>
+          </a:p>
+          <a:p>
+            <a:pPr marL="0" indent="0">
+              <a:buNone/>
+            </a:pPr>
             <a:endParaRPr lang="en-KR" dirty="0"/>
           </a:p>
           <a:p>
             <a:r>
               <a:rPr lang="en-US" dirty="0"/>
-              <a:t>Would you like to use </a:t>
-            </a:r>
+              <a:t>Project  </a:t>
+            </a:r>
+            <a:r>
+              <a:rPr lang="ko-KR" altLang="en-US" dirty="0"/>
+              <a:t>실행</a:t>
+            </a:r>
+            <a:endParaRPr lang="en-US" dirty="0"/>
+          </a:p>
+          <a:p>
+            <a:pPr marL="0" indent="0">
+              <a:buNone/>
+            </a:pPr>
             <a:r>
               <a:rPr lang="en-US" dirty="0" err="1"/>
-              <a:t>ESLint</a:t>
+              <a:t>npm</a:t>
             </a:r>
             <a:r>
               <a:rPr lang="en-US" dirty="0"/>
-              <a:t>? Yes</a:t>
-            </a:r>
-          </a:p>
-          <a:p>
+              <a:t> run dev </a:t>
+            </a:r>
+            <a:endParaRPr lang="en-KR" dirty="0"/>
+          </a:p>
+          <a:p>
+            <a:endParaRPr lang="en-US" dirty="0"/>
+          </a:p>
+          <a:p>
+            <a:pPr marL="0" indent="0">
+              <a:buNone/>
+            </a:pPr>
+            <a:r>
+              <a:rPr lang="en-US" dirty="0" err="1"/>
+              <a:t>npm</a:t>
+            </a:r>
             <a:r>
               <a:rPr lang="en-US" dirty="0"/>
-              <a:t>Would you like to use Tailwind CSS? Yes</a:t>
-            </a:r>
-          </a:p>
-          <a:p>
-            <a:r>
-              <a:rPr lang="en-US" dirty="0"/>
-              <a:t>Would you like your code inside a ‘</a:t>
-            </a:r>
-            <a:r>
-              <a:rPr lang="en-US" dirty="0" err="1"/>
-              <a:t>src</a:t>
-            </a:r>
-            <a:r>
-              <a:rPr lang="en-US" dirty="0"/>
-              <a:t>/’ directory? No</a:t>
-            </a:r>
-          </a:p>
-          <a:p>
-            <a:r>
-              <a:rPr lang="en-US" dirty="0"/>
-              <a:t>Would you like to use App Router?(recommended) Yes</a:t>
-            </a:r>
-          </a:p>
-          <a:p>
-            <a:r>
-              <a:rPr lang="en-US" dirty="0"/>
-              <a:t>Would you like to use </a:t>
-            </a:r>
-            <a:r>
-              <a:rPr lang="en-US" dirty="0" err="1"/>
-              <a:t>Turbopack</a:t>
-            </a:r>
-            <a:r>
-              <a:rPr lang="en-US" dirty="0"/>
-              <a:t> for next dev? No</a:t>
-            </a:r>
-          </a:p>
-          <a:p>
-            <a:r>
-              <a:rPr lang="en-US" dirty="0"/>
-              <a:t>Would you like to customize the import alias (@/* by default)? No</a:t>
+              <a:t> run build</a:t>
             </a:r>
             <a:endParaRPr lang="en-KR" dirty="0"/>
           </a:p>
@@ -4592,7 +5470,7 @@
     </p:spTree>
     <p:extLst>
       <p:ext uri="{BB962C8B-B14F-4D97-AF65-F5344CB8AC3E}">
-        <p14:creationId xmlns:p14="http://schemas.microsoft.com/office/powerpoint/2010/main" val="4244652268"/>
+        <p14:creationId xmlns:p14="http://schemas.microsoft.com/office/powerpoint/2010/main" val="144623031"/>
       </p:ext>
     </p:extLst>
   </p:cSld>
@@ -4649,7 +5527,15 @@
           <a:p>
             <a:r>
               <a:rPr lang="en-US" dirty="0"/>
-              <a:t>TypeScript</a:t>
+              <a:t>P</a:t>
+            </a:r>
+            <a:r>
+              <a:rPr lang="en-KR" dirty="0"/>
+              <a:t>roject </a:t>
+            </a:r>
+            <a:r>
+              <a:rPr lang="ko-KR" altLang="en-US" dirty="0"/>
+              <a:t>생성 옵션</a:t>
             </a:r>
             <a:endParaRPr lang="en-KR" dirty="0"/>
           </a:p>
@@ -4683,54 +5569,69 @@
           <a:p>
             <a:r>
               <a:rPr lang="en-US" dirty="0"/>
-              <a:t>TypeScript is JavaScript with syntax for types</a:t>
-            </a:r>
-          </a:p>
-          <a:p>
-            <a:r>
-              <a:rPr lang="ko-KR" altLang="en-US" dirty="0"/>
-              <a:t>동적 타입 언어는 자유도가 높지만 규모가 커질수록 문제 발생 확률이 높아지고 </a:t>
+              <a:t>Would you like to use TypeScript? Yes</a:t>
+            </a:r>
+            <a:endParaRPr lang="en-KR" dirty="0"/>
+          </a:p>
+          <a:p>
+            <a:r>
+              <a:rPr lang="en-US" dirty="0"/>
+              <a:t>Would you like to use </a:t>
             </a:r>
             <a:r>
               <a:rPr lang="en-US" dirty="0" err="1"/>
-              <a:t>Typof</a:t>
-            </a:r>
-            <a:r>
-              <a:rPr lang="ko-KR" altLang="en-US" dirty="0" err="1"/>
-              <a:t>를</a:t>
-            </a:r>
-            <a:r>
-              <a:rPr lang="ko-KR" altLang="en-US" dirty="0"/>
-              <a:t> 사용하여 확인이 가능하지만 작은 프로젝트에서 효율성이 높다</a:t>
-            </a:r>
-            <a:r>
-              <a:rPr lang="en-US" altLang="ko-KR" dirty="0"/>
-              <a:t>.</a:t>
-            </a:r>
-          </a:p>
-          <a:p>
+              <a:t>ESLint</a:t>
+            </a:r>
             <a:r>
               <a:rPr lang="en-US" dirty="0"/>
-              <a:t>Any </a:t>
-            </a:r>
-            <a:r>
-              <a:rPr lang="ko-KR" altLang="en-US" dirty="0"/>
-              <a:t>대신 </a:t>
-            </a:r>
-            <a:r>
-              <a:rPr lang="en-US" altLang="ko-KR" dirty="0"/>
-              <a:t>unknown </a:t>
-            </a:r>
-            <a:r>
-              <a:rPr lang="ko-KR" altLang="en-US" dirty="0"/>
-              <a:t>사용 권장</a:t>
-            </a:r>
-            <a:r>
-              <a:rPr lang="en-US" altLang="ko-KR" dirty="0"/>
-              <a:t>.</a:t>
-            </a:r>
-          </a:p>
-          <a:p>
+              <a:t>? Yes</a:t>
+            </a:r>
+          </a:p>
+          <a:p>
+            <a:r>
+              <a:rPr lang="en-US" dirty="0"/>
+              <a:t>Would you like to use Tailwind CSS? Yes</a:t>
+            </a:r>
+          </a:p>
+          <a:p>
+            <a:r>
+              <a:rPr lang="en-US" dirty="0"/>
+              <a:t>Would you like your code inside a ‘</a:t>
+            </a:r>
+            <a:r>
+              <a:rPr lang="en-US" dirty="0" err="1"/>
+              <a:t>src</a:t>
+            </a:r>
+            <a:r>
+              <a:rPr lang="en-US" dirty="0"/>
+              <a:t>/’ directory? No</a:t>
+            </a:r>
+          </a:p>
+          <a:p>
+            <a:r>
+              <a:rPr lang="en-US" dirty="0"/>
+              <a:t>Would you like to use App Router?(recommended) Yes</a:t>
+            </a:r>
+          </a:p>
+          <a:p>
+            <a:r>
+              <a:rPr lang="en-US" dirty="0"/>
+              <a:t>Would you like to use </a:t>
+            </a:r>
+            <a:r>
+              <a:rPr lang="en-US" dirty="0" err="1"/>
+              <a:t>Turbopack</a:t>
+            </a:r>
+            <a:r>
+              <a:rPr lang="en-US" dirty="0"/>
+              <a:t> for next dev? No</a:t>
+            </a:r>
+          </a:p>
+          <a:p>
+            <a:r>
+              <a:rPr lang="en-US" dirty="0"/>
+              <a:t>Would you like to customize the import alias (@/* by default)? No</a:t>
+            </a:r>
             <a:endParaRPr lang="en-KR" dirty="0"/>
           </a:p>
         </p:txBody>
@@ -4738,7 +5639,7 @@
     </p:spTree>
     <p:extLst>
       <p:ext uri="{BB962C8B-B14F-4D97-AF65-F5344CB8AC3E}">
-        <p14:creationId xmlns:p14="http://schemas.microsoft.com/office/powerpoint/2010/main" val="2961527997"/>
+        <p14:creationId xmlns:p14="http://schemas.microsoft.com/office/powerpoint/2010/main" val="4244652268"/>
       </p:ext>
     </p:extLst>
   </p:cSld>
@@ -4794,8 +5695,8 @@
           <a:lstStyle/>
           <a:p>
             <a:r>
-              <a:rPr lang="en-US" dirty="0" err="1"/>
-              <a:t>ESlint</a:t>
+              <a:rPr lang="en-US" dirty="0"/>
+              <a:t>TypeScript</a:t>
             </a:r>
             <a:endParaRPr lang="en-KR" dirty="0"/>
           </a:p>
@@ -4828,47 +5729,18 @@
           <a:lstStyle/>
           <a:p>
             <a:r>
-              <a:rPr lang="ko-KR" altLang="en-US" dirty="0"/>
-              <a:t>정적 코드 분석 </a:t>
-            </a:r>
-            <a:r>
-              <a:rPr lang="en-US" altLang="ko-KR" dirty="0"/>
-              <a:t>:</a:t>
-            </a:r>
-            <a:r>
-              <a:rPr lang="ko-KR" altLang="en-US" dirty="0"/>
-              <a:t> 코드의 실행과는 별개로 코드 그 자체에서 문제를 야기할 수 있는 부분을 사전에 확인</a:t>
-            </a:r>
-            <a:r>
-              <a:rPr lang="en-US" altLang="ko-KR" dirty="0"/>
-              <a:t>.</a:t>
-            </a:r>
-          </a:p>
-          <a:p>
-            <a:pPr marL="514350" indent="-514350">
-              <a:buAutoNum type="arabicPeriod"/>
-            </a:pPr>
-            <a:r>
-              <a:rPr lang="en-US" altLang="ko-KR" dirty="0"/>
-              <a:t>JS </a:t>
-            </a:r>
-            <a:r>
-              <a:rPr lang="ko-KR" altLang="en-US" dirty="0"/>
-              <a:t>코드를 문자열로 리딩</a:t>
-            </a:r>
-            <a:r>
-              <a:rPr lang="en-US" altLang="ko-KR" dirty="0"/>
-              <a:t>.</a:t>
-            </a:r>
-            <a:endParaRPr lang="en-KR" altLang="ko-KR" dirty="0"/>
-          </a:p>
-          <a:p>
-            <a:pPr marL="514350" indent="-514350">
-              <a:buAutoNum type="arabicPeriod"/>
-            </a:pPr>
-            <a:r>
-              <a:rPr lang="en-US" altLang="ko-KR" dirty="0"/>
-              <a:t>Parser</a:t>
+              <a:rPr lang="en-US" dirty="0"/>
+              <a:t>TypeScript is JavaScript with syntax for types</a:t>
+            </a:r>
+          </a:p>
+          <a:p>
+            <a:r>
+              <a:rPr lang="ko-KR" altLang="en-US" dirty="0"/>
+              <a:t>동적 타입 언어는 자유도가 높지만 규모가 커질수록 문제 발생 확률이 높아지고 </a:t>
+            </a:r>
+            <a:r>
+              <a:rPr lang="en-US" dirty="0" err="1"/>
+              <a:t>Typof</a:t>
             </a:r>
             <a:r>
               <a:rPr lang="ko-KR" altLang="en-US" dirty="0" err="1"/>
@@ -4876,7 +5748,7 @@
             </a:r>
             <a:r>
               <a:rPr lang="ko-KR" altLang="en-US" dirty="0"/>
-              <a:t> 이용하여 코드를 구조화</a:t>
+              <a:t> 사용하여 확인이 가능하지만 작은 프로젝트에서 효율성이 높다</a:t>
             </a:r>
             <a:r>
               <a:rPr lang="en-US" altLang="ko-KR" dirty="0"/>
@@ -4884,28 +5756,21 @@
             </a:r>
           </a:p>
           <a:p>
-            <a:pPr marL="514350" indent="-514350">
-              <a:buAutoNum type="arabicPeriod"/>
-            </a:pPr>
-            <a:r>
-              <a:rPr lang="ko-KR" altLang="en-US" dirty="0"/>
-              <a:t>구조화한 트리를 </a:t>
-            </a:r>
-            <a:r>
-              <a:rPr lang="en-US" altLang="ko-KR" dirty="0"/>
-              <a:t>AST(Abstract Syntax Tree)</a:t>
-            </a:r>
-            <a:r>
-              <a:rPr lang="ko-KR" altLang="en-US" dirty="0"/>
-              <a:t>라 하며</a:t>
-            </a:r>
-            <a:r>
-              <a:rPr lang="en-US" altLang="ko-KR" dirty="0"/>
-              <a:t>,</a:t>
-            </a:r>
-            <a:r>
-              <a:rPr lang="ko-KR" altLang="en-US" dirty="0"/>
-              <a:t> 이를 기준으로 각종 규칙과 대조</a:t>
+            <a:r>
+              <a:rPr lang="en-US" dirty="0"/>
+              <a:t>Any </a:t>
+            </a:r>
+            <a:r>
+              <a:rPr lang="ko-KR" altLang="en-US" dirty="0"/>
+              <a:t>대신 </a:t>
+            </a:r>
+            <a:r>
+              <a:rPr lang="en-US" altLang="ko-KR" dirty="0"/>
+              <a:t>unknown </a:t>
+            </a:r>
+            <a:r>
+              <a:rPr lang="ko-KR" altLang="en-US" dirty="0"/>
+              <a:t>사용 권장</a:t>
             </a:r>
             <a:r>
               <a:rPr lang="en-US" altLang="ko-KR" dirty="0"/>
@@ -4913,24 +5778,14 @@
             </a:r>
           </a:p>
           <a:p>
-            <a:pPr marL="514350" indent="-514350">
-              <a:buAutoNum type="arabicPeriod"/>
-            </a:pPr>
-            <a:r>
-              <a:rPr lang="ko-KR" altLang="en-US" dirty="0"/>
-              <a:t>규칙 위반을 알리거나 수정</a:t>
-            </a:r>
-            <a:r>
-              <a:rPr lang="en-US" altLang="ko-KR" dirty="0"/>
-              <a:t>.</a:t>
-            </a:r>
+            <a:endParaRPr lang="en-KR" dirty="0"/>
           </a:p>
         </p:txBody>
       </p:sp>
     </p:spTree>
     <p:extLst>
       <p:ext uri="{BB962C8B-B14F-4D97-AF65-F5344CB8AC3E}">
-        <p14:creationId xmlns:p14="http://schemas.microsoft.com/office/powerpoint/2010/main" val="2096616509"/>
+        <p14:creationId xmlns:p14="http://schemas.microsoft.com/office/powerpoint/2010/main" val="2961527997"/>
       </p:ext>
     </p:extLst>
   </p:cSld>
@@ -4986,6 +5841,198 @@
           <a:lstStyle/>
           <a:p>
             <a:r>
+              <a:rPr lang="en-US" dirty="0" err="1"/>
+              <a:t>ESlint</a:t>
+            </a:r>
+            <a:endParaRPr lang="en-KR" dirty="0"/>
+          </a:p>
+        </p:txBody>
+      </p:sp>
+      <p:sp>
+        <p:nvSpPr>
+          <p:cNvPr id="3" name="Content Placeholder 2">
+            <a:extLst>
+              <a:ext uri="{FF2B5EF4-FFF2-40B4-BE49-F238E27FC236}">
+                <a16:creationId xmlns:a16="http://schemas.microsoft.com/office/drawing/2014/main" id="{291FA8CC-CA3E-1176-4546-E1E15396A9BA}"/>
+              </a:ext>
+            </a:extLst>
+          </p:cNvPr>
+          <p:cNvSpPr>
+            <a:spLocks noGrp="1"/>
+          </p:cNvSpPr>
+          <p:nvPr>
+            <p:ph idx="1"/>
+          </p:nvPr>
+        </p:nvSpPr>
+        <p:spPr>
+          <a:xfrm>
+            <a:off x="838200" y="1150706"/>
+            <a:ext cx="10515600" cy="5026257"/>
+          </a:xfrm>
+        </p:spPr>
+        <p:txBody>
+          <a:bodyPr/>
+          <a:lstStyle/>
+          <a:p>
+            <a:r>
+              <a:rPr lang="ko-KR" altLang="en-US" dirty="0"/>
+              <a:t>정적 코드 분석 </a:t>
+            </a:r>
+            <a:r>
+              <a:rPr lang="en-US" altLang="ko-KR" dirty="0"/>
+              <a:t>:</a:t>
+            </a:r>
+            <a:r>
+              <a:rPr lang="ko-KR" altLang="en-US" dirty="0"/>
+              <a:t> 코드의 실행과는 별개로 코드 그 자체에서 문제를 야기할 수 있는 부분을 사전에 확인</a:t>
+            </a:r>
+            <a:r>
+              <a:rPr lang="en-US" altLang="ko-KR" dirty="0"/>
+              <a:t>.</a:t>
+            </a:r>
+          </a:p>
+          <a:p>
+            <a:pPr marL="514350" indent="-514350">
+              <a:buAutoNum type="arabicPeriod"/>
+            </a:pPr>
+            <a:r>
+              <a:rPr lang="en-US" altLang="ko-KR" dirty="0"/>
+              <a:t>JS </a:t>
+            </a:r>
+            <a:r>
+              <a:rPr lang="ko-KR" altLang="en-US" dirty="0"/>
+              <a:t>코드를 문자열로 리딩</a:t>
+            </a:r>
+            <a:r>
+              <a:rPr lang="en-US" altLang="ko-KR" dirty="0"/>
+              <a:t>.</a:t>
+            </a:r>
+            <a:endParaRPr lang="en-KR" altLang="ko-KR" dirty="0"/>
+          </a:p>
+          <a:p>
+            <a:pPr marL="514350" indent="-514350">
+              <a:buAutoNum type="arabicPeriod"/>
+            </a:pPr>
+            <a:r>
+              <a:rPr lang="en-US" altLang="ko-KR" dirty="0"/>
+              <a:t>Parser</a:t>
+            </a:r>
+            <a:r>
+              <a:rPr lang="ko-KR" altLang="en-US" dirty="0" err="1"/>
+              <a:t>를</a:t>
+            </a:r>
+            <a:r>
+              <a:rPr lang="ko-KR" altLang="en-US" dirty="0"/>
+              <a:t> 이용하여 코드를 구조화</a:t>
+            </a:r>
+            <a:r>
+              <a:rPr lang="en-US" altLang="ko-KR" dirty="0"/>
+              <a:t>.</a:t>
+            </a:r>
+          </a:p>
+          <a:p>
+            <a:pPr marL="514350" indent="-514350">
+              <a:buAutoNum type="arabicPeriod"/>
+            </a:pPr>
+            <a:r>
+              <a:rPr lang="ko-KR" altLang="en-US" dirty="0"/>
+              <a:t>구조화한 트리를 </a:t>
+            </a:r>
+            <a:r>
+              <a:rPr lang="en-US" altLang="ko-KR" dirty="0"/>
+              <a:t>AST(Abstract Syntax Tree)</a:t>
+            </a:r>
+            <a:r>
+              <a:rPr lang="ko-KR" altLang="en-US" dirty="0"/>
+              <a:t>라 하며</a:t>
+            </a:r>
+            <a:r>
+              <a:rPr lang="en-US" altLang="ko-KR" dirty="0"/>
+              <a:t>,</a:t>
+            </a:r>
+            <a:r>
+              <a:rPr lang="ko-KR" altLang="en-US" dirty="0"/>
+              <a:t> 이를 기준으로 각종 규칙과 대조</a:t>
+            </a:r>
+            <a:r>
+              <a:rPr lang="en-US" altLang="ko-KR" dirty="0"/>
+              <a:t>.</a:t>
+            </a:r>
+          </a:p>
+          <a:p>
+            <a:pPr marL="514350" indent="-514350">
+              <a:buAutoNum type="arabicPeriod"/>
+            </a:pPr>
+            <a:r>
+              <a:rPr lang="ko-KR" altLang="en-US" dirty="0"/>
+              <a:t>규칙 위반을 알리거나 수정</a:t>
+            </a:r>
+            <a:r>
+              <a:rPr lang="en-US" altLang="ko-KR" dirty="0"/>
+              <a:t>.</a:t>
+            </a:r>
+          </a:p>
+        </p:txBody>
+      </p:sp>
+    </p:spTree>
+    <p:extLst>
+      <p:ext uri="{BB962C8B-B14F-4D97-AF65-F5344CB8AC3E}">
+        <p14:creationId xmlns:p14="http://schemas.microsoft.com/office/powerpoint/2010/main" val="2096616509"/>
+      </p:ext>
+    </p:extLst>
+  </p:cSld>
+  <p:clrMapOvr>
+    <a:masterClrMapping/>
+  </p:clrMapOvr>
+</p:sld>
+</file>
+
+<file path=ppt/slides/slide7.xml><?xml version="1.0" encoding="utf-8"?>
+<p:sld xmlns:a="http://schemas.openxmlformats.org/drawingml/2006/main" xmlns:r="http://schemas.openxmlformats.org/officeDocument/2006/relationships" xmlns:p="http://schemas.openxmlformats.org/presentationml/2006/main">
+  <p:cSld>
+    <p:spTree>
+      <p:nvGrpSpPr>
+        <p:cNvPr id="1" name=""/>
+        <p:cNvGrpSpPr/>
+        <p:nvPr/>
+      </p:nvGrpSpPr>
+      <p:grpSpPr>
+        <a:xfrm>
+          <a:off x="0" y="0"/>
+          <a:ext cx="0" cy="0"/>
+          <a:chOff x="0" y="0"/>
+          <a:chExt cx="0" cy="0"/>
+        </a:xfrm>
+      </p:grpSpPr>
+      <p:sp>
+        <p:nvSpPr>
+          <p:cNvPr id="2" name="Title 1">
+            <a:extLst>
+              <a:ext uri="{FF2B5EF4-FFF2-40B4-BE49-F238E27FC236}">
+                <a16:creationId xmlns:a16="http://schemas.microsoft.com/office/drawing/2014/main" id="{C395D9A6-82A9-0D1F-97C4-C7DF355330A1}"/>
+              </a:ext>
+            </a:extLst>
+          </p:cNvPr>
+          <p:cNvSpPr>
+            <a:spLocks noGrp="1"/>
+          </p:cNvSpPr>
+          <p:nvPr>
+            <p:ph type="title"/>
+          </p:nvPr>
+        </p:nvSpPr>
+        <p:spPr>
+          <a:xfrm>
+            <a:off x="838200" y="365126"/>
+            <a:ext cx="10515600" cy="590372"/>
+          </a:xfrm>
+        </p:spPr>
+        <p:txBody>
+          <a:bodyPr>
+            <a:normAutofit fontScale="90000"/>
+          </a:bodyPr>
+          <a:lstStyle/>
+          <a:p>
+            <a:r>
               <a:rPr lang="en-US" dirty="0"/>
               <a:t>Tailwind CSS</a:t>
             </a:r>
@@ -5179,7 +6226,7 @@
 </p:sld>
 </file>
 
-<file path=ppt/slides/slide7.xml><?xml version="1.0" encoding="utf-8"?>
+<file path=ppt/slides/slide8.xml><?xml version="1.0" encoding="utf-8"?>
 <p:sld xmlns:a="http://schemas.openxmlformats.org/drawingml/2006/main" xmlns:r="http://schemas.openxmlformats.org/officeDocument/2006/relationships" xmlns:p="http://schemas.openxmlformats.org/presentationml/2006/main">
   <p:cSld>
     <p:spTree>
@@ -5420,7 +6467,7 @@
 </p:sld>
 </file>
 
-<file path=ppt/slides/slide8.xml><?xml version="1.0" encoding="utf-8"?>
+<file path=ppt/slides/slide9.xml><?xml version="1.0" encoding="utf-8"?>
 <p:sld xmlns:a="http://schemas.openxmlformats.org/drawingml/2006/main" xmlns:r="http://schemas.openxmlformats.org/officeDocument/2006/relationships" xmlns:p="http://schemas.openxmlformats.org/presentationml/2006/main">
   <p:cSld>
     <p:spTree>
@@ -5603,178 +6650,6 @@
     <p:extLst>
       <p:ext uri="{BB962C8B-B14F-4D97-AF65-F5344CB8AC3E}">
         <p14:creationId xmlns:p14="http://schemas.microsoft.com/office/powerpoint/2010/main" val="1494282826"/>
-      </p:ext>
-    </p:extLst>
-  </p:cSld>
-  <p:clrMapOvr>
-    <a:masterClrMapping/>
-  </p:clrMapOvr>
-</p:sld>
-</file>
-
-<file path=ppt/slides/slide9.xml><?xml version="1.0" encoding="utf-8"?>
-<p:sld xmlns:a="http://schemas.openxmlformats.org/drawingml/2006/main" xmlns:r="http://schemas.openxmlformats.org/officeDocument/2006/relationships" xmlns:p="http://schemas.openxmlformats.org/presentationml/2006/main">
-  <p:cSld>
-    <p:spTree>
-      <p:nvGrpSpPr>
-        <p:cNvPr id="1" name=""/>
-        <p:cNvGrpSpPr/>
-        <p:nvPr/>
-      </p:nvGrpSpPr>
-      <p:grpSpPr>
-        <a:xfrm>
-          <a:off x="0" y="0"/>
-          <a:ext cx="0" cy="0"/>
-          <a:chOff x="0" y="0"/>
-          <a:chExt cx="0" cy="0"/>
-        </a:xfrm>
-      </p:grpSpPr>
-      <p:sp>
-        <p:nvSpPr>
-          <p:cNvPr id="2" name="Title 1">
-            <a:extLst>
-              <a:ext uri="{FF2B5EF4-FFF2-40B4-BE49-F238E27FC236}">
-                <a16:creationId xmlns:a16="http://schemas.microsoft.com/office/drawing/2014/main" id="{C395D9A6-82A9-0D1F-97C4-C7DF355330A1}"/>
-              </a:ext>
-            </a:extLst>
-          </p:cNvPr>
-          <p:cNvSpPr>
-            <a:spLocks noGrp="1"/>
-          </p:cNvSpPr>
-          <p:nvPr>
-            <p:ph type="title"/>
-          </p:nvPr>
-        </p:nvSpPr>
-        <p:spPr>
-          <a:xfrm>
-            <a:off x="838200" y="365126"/>
-            <a:ext cx="10515600" cy="590372"/>
-          </a:xfrm>
-        </p:spPr>
-        <p:txBody>
-          <a:bodyPr>
-            <a:normAutofit fontScale="90000"/>
-          </a:bodyPr>
-          <a:lstStyle/>
-          <a:p>
-            <a:r>
-              <a:rPr lang="en-US" dirty="0"/>
-              <a:t>Page Router VS App Router</a:t>
-            </a:r>
-            <a:endParaRPr lang="en-KR" dirty="0"/>
-          </a:p>
-        </p:txBody>
-      </p:sp>
-      <p:sp>
-        <p:nvSpPr>
-          <p:cNvPr id="3" name="Content Placeholder 2">
-            <a:extLst>
-              <a:ext uri="{FF2B5EF4-FFF2-40B4-BE49-F238E27FC236}">
-                <a16:creationId xmlns:a16="http://schemas.microsoft.com/office/drawing/2014/main" id="{291FA8CC-CA3E-1176-4546-E1E15396A9BA}"/>
-              </a:ext>
-            </a:extLst>
-          </p:cNvPr>
-          <p:cNvSpPr>
-            <a:spLocks noGrp="1"/>
-          </p:cNvSpPr>
-          <p:nvPr>
-            <p:ph idx="1"/>
-          </p:nvPr>
-        </p:nvSpPr>
-        <p:spPr>
-          <a:xfrm>
-            <a:off x="838200" y="1150706"/>
-            <a:ext cx="10515600" cy="5026257"/>
-          </a:xfrm>
-        </p:spPr>
-        <p:txBody>
-          <a:bodyPr/>
-          <a:lstStyle/>
-          <a:p>
-            <a:r>
-              <a:rPr lang="en-US" dirty="0"/>
-              <a:t>App Router : Page Router</a:t>
-            </a:r>
-            <a:r>
-              <a:rPr lang="ko-KR" altLang="en-US" dirty="0"/>
-              <a:t>와 동일하게 파일 기반 </a:t>
-            </a:r>
-            <a:r>
-              <a:rPr lang="ko-KR" altLang="en-US" dirty="0" err="1"/>
-              <a:t>라이팅이지만</a:t>
-            </a:r>
-            <a:r>
-              <a:rPr lang="ko-KR" altLang="en-US" dirty="0"/>
-              <a:t> </a:t>
-            </a:r>
-            <a:r>
-              <a:rPr lang="en-US" altLang="ko-KR" dirty="0"/>
-              <a:t>Page Router</a:t>
-            </a:r>
-            <a:r>
-              <a:rPr lang="ko-KR" altLang="en-US" dirty="0"/>
-              <a:t> 방식의 단점 보완</a:t>
-            </a:r>
-            <a:r>
-              <a:rPr lang="en-US" altLang="ko-KR" dirty="0"/>
-              <a:t>.</a:t>
-            </a:r>
-          </a:p>
-          <a:p>
-            <a:r>
-              <a:rPr lang="en-US" dirty="0"/>
-              <a:t>App/ </a:t>
-            </a:r>
-            <a:r>
-              <a:rPr lang="ko-KR" altLang="en-US" dirty="0"/>
-              <a:t>디렉토리 내에 어떤 폴더 구조라도 </a:t>
-            </a:r>
-            <a:r>
-              <a:rPr lang="en-US" altLang="ko-KR" dirty="0" err="1"/>
-              <a:t>Page.ts</a:t>
-            </a:r>
-            <a:r>
-              <a:rPr lang="ko-KR" altLang="en-US" dirty="0"/>
-              <a:t>라는 예약된 파일만 </a:t>
-            </a:r>
-            <a:r>
-              <a:rPr lang="en-US" altLang="ko-KR" dirty="0"/>
-              <a:t>route</a:t>
-            </a:r>
-            <a:r>
-              <a:rPr lang="ko-KR" altLang="en-US" dirty="0"/>
-              <a:t>가 생성</a:t>
-            </a:r>
-            <a:r>
-              <a:rPr lang="en-US" altLang="ko-KR" dirty="0"/>
-              <a:t>.</a:t>
-            </a:r>
-          </a:p>
-          <a:p>
-            <a:r>
-              <a:rPr lang="en-US" dirty="0" err="1"/>
-              <a:t>Layout.ts</a:t>
-            </a:r>
-            <a:r>
-              <a:rPr lang="ko-KR" altLang="en-US" dirty="0" err="1"/>
-              <a:t>를</a:t>
-            </a:r>
-            <a:r>
-              <a:rPr lang="ko-KR" altLang="en-US" dirty="0"/>
-              <a:t> 이용하여 중첩된 레이아웃 관리 가능</a:t>
-            </a:r>
-            <a:r>
-              <a:rPr lang="en-US" altLang="ko-KR" dirty="0"/>
-              <a:t>.</a:t>
-            </a:r>
-            <a:endParaRPr lang="en-KR" dirty="0"/>
-          </a:p>
-        </p:txBody>
-      </p:sp>
-    </p:spTree>
-    <p:extLst>
-      <p:ext uri="{BB962C8B-B14F-4D97-AF65-F5344CB8AC3E}">
-        <p14:creationId xmlns:p14="http://schemas.microsoft.com/office/powerpoint/2010/main" val="1643908147"/>
       </p:ext>
     </p:extLst>
   </p:cSld>
